--- a/图表/图5-1.pptx
+++ b/图表/图5-1.pptx
@@ -104,6 +104,11 @@
       </a:defRPr>
     </a:lvl9pPr>
   </p:defaultTextStyle>
+  <p:extLst>
+    <p:ext uri="{EFAFB233-063F-42B5-8137-9DF3F51BA10A}">
+      <p15:sldGuideLst xmlns:p15="http://schemas.microsoft.com/office/powerpoint/2012/main"/>
+    </p:ext>
+  </p:extLst>
 </p:presentation>
 </file>
 
@@ -254,7 +259,7 @@
           <a:p>
             <a:fld id="{D767F48A-1223-E440-BE89-03BCF965A034}" type="datetimeFigureOut">
               <a:rPr kumimoji="1" lang="zh-CN" altLang="en-US" smtClean="0"/>
-              <a:t>2021/7/9</a:t>
+              <a:t>2022/3/30</a:t>
             </a:fld>
             <a:endParaRPr kumimoji="1" lang="zh-CN" altLang="en-US"/>
           </a:p>
@@ -452,7 +457,7 @@
           <a:p>
             <a:fld id="{D767F48A-1223-E440-BE89-03BCF965A034}" type="datetimeFigureOut">
               <a:rPr kumimoji="1" lang="zh-CN" altLang="en-US" smtClean="0"/>
-              <a:t>2021/7/9</a:t>
+              <a:t>2022/3/30</a:t>
             </a:fld>
             <a:endParaRPr kumimoji="1" lang="zh-CN" altLang="en-US"/>
           </a:p>
@@ -660,7 +665,7 @@
           <a:p>
             <a:fld id="{D767F48A-1223-E440-BE89-03BCF965A034}" type="datetimeFigureOut">
               <a:rPr kumimoji="1" lang="zh-CN" altLang="en-US" smtClean="0"/>
-              <a:t>2021/7/9</a:t>
+              <a:t>2022/3/30</a:t>
             </a:fld>
             <a:endParaRPr kumimoji="1" lang="zh-CN" altLang="en-US"/>
           </a:p>
@@ -858,7 +863,7 @@
           <a:p>
             <a:fld id="{D767F48A-1223-E440-BE89-03BCF965A034}" type="datetimeFigureOut">
               <a:rPr kumimoji="1" lang="zh-CN" altLang="en-US" smtClean="0"/>
-              <a:t>2021/7/9</a:t>
+              <a:t>2022/3/30</a:t>
             </a:fld>
             <a:endParaRPr kumimoji="1" lang="zh-CN" altLang="en-US"/>
           </a:p>
@@ -1133,7 +1138,7 @@
           <a:p>
             <a:fld id="{D767F48A-1223-E440-BE89-03BCF965A034}" type="datetimeFigureOut">
               <a:rPr kumimoji="1" lang="zh-CN" altLang="en-US" smtClean="0"/>
-              <a:t>2021/7/9</a:t>
+              <a:t>2022/3/30</a:t>
             </a:fld>
             <a:endParaRPr kumimoji="1" lang="zh-CN" altLang="en-US"/>
           </a:p>
@@ -1398,7 +1403,7 @@
           <a:p>
             <a:fld id="{D767F48A-1223-E440-BE89-03BCF965A034}" type="datetimeFigureOut">
               <a:rPr kumimoji="1" lang="zh-CN" altLang="en-US" smtClean="0"/>
-              <a:t>2021/7/9</a:t>
+              <a:t>2022/3/30</a:t>
             </a:fld>
             <a:endParaRPr kumimoji="1" lang="zh-CN" altLang="en-US"/>
           </a:p>
@@ -1810,7 +1815,7 @@
           <a:p>
             <a:fld id="{D767F48A-1223-E440-BE89-03BCF965A034}" type="datetimeFigureOut">
               <a:rPr kumimoji="1" lang="zh-CN" altLang="en-US" smtClean="0"/>
-              <a:t>2021/7/9</a:t>
+              <a:t>2022/3/30</a:t>
             </a:fld>
             <a:endParaRPr kumimoji="1" lang="zh-CN" altLang="en-US"/>
           </a:p>
@@ -1951,7 +1956,7 @@
           <a:p>
             <a:fld id="{D767F48A-1223-E440-BE89-03BCF965A034}" type="datetimeFigureOut">
               <a:rPr kumimoji="1" lang="zh-CN" altLang="en-US" smtClean="0"/>
-              <a:t>2021/7/9</a:t>
+              <a:t>2022/3/30</a:t>
             </a:fld>
             <a:endParaRPr kumimoji="1" lang="zh-CN" altLang="en-US"/>
           </a:p>
@@ -2064,7 +2069,7 @@
           <a:p>
             <a:fld id="{D767F48A-1223-E440-BE89-03BCF965A034}" type="datetimeFigureOut">
               <a:rPr kumimoji="1" lang="zh-CN" altLang="en-US" smtClean="0"/>
-              <a:t>2021/7/9</a:t>
+              <a:t>2022/3/30</a:t>
             </a:fld>
             <a:endParaRPr kumimoji="1" lang="zh-CN" altLang="en-US"/>
           </a:p>
@@ -2375,7 +2380,7 @@
           <a:p>
             <a:fld id="{D767F48A-1223-E440-BE89-03BCF965A034}" type="datetimeFigureOut">
               <a:rPr kumimoji="1" lang="zh-CN" altLang="en-US" smtClean="0"/>
-              <a:t>2021/7/9</a:t>
+              <a:t>2022/3/30</a:t>
             </a:fld>
             <a:endParaRPr kumimoji="1" lang="zh-CN" altLang="en-US"/>
           </a:p>
@@ -2663,7 +2668,7 @@
           <a:p>
             <a:fld id="{D767F48A-1223-E440-BE89-03BCF965A034}" type="datetimeFigureOut">
               <a:rPr kumimoji="1" lang="zh-CN" altLang="en-US" smtClean="0"/>
-              <a:t>2021/7/9</a:t>
+              <a:t>2022/3/30</a:t>
             </a:fld>
             <a:endParaRPr kumimoji="1" lang="zh-CN" altLang="en-US"/>
           </a:p>
@@ -2904,7 +2909,7 @@
           <a:p>
             <a:fld id="{D767F48A-1223-E440-BE89-03BCF965A034}" type="datetimeFigureOut">
               <a:rPr kumimoji="1" lang="zh-CN" altLang="en-US" smtClean="0"/>
-              <a:t>2021/7/9</a:t>
+              <a:t>2022/3/30</a:t>
             </a:fld>
             <a:endParaRPr kumimoji="1" lang="zh-CN" altLang="en-US"/>
           </a:p>
@@ -3390,79 +3395,3265 @@
           </a:p>
         </p:txBody>
       </p:sp>
-      <p:graphicFrame>
-        <p:nvGraphicFramePr>
-          <p:cNvPr id="5" name="对象 4">
+      <p:grpSp>
+        <p:nvGrpSpPr>
+          <p:cNvPr id="7" name="Canvas 821">
             <a:extLst>
               <a:ext uri="{FF2B5EF4-FFF2-40B4-BE49-F238E27FC236}">
-                <a16:creationId xmlns:a16="http://schemas.microsoft.com/office/drawing/2014/main" id="{919A3D93-734A-1E41-9607-D978CC38BD29}"/>
+                <a16:creationId xmlns:a16="http://schemas.microsoft.com/office/drawing/2014/main" id="{1242A206-1F3D-7042-BE4E-444207093070}"/>
               </a:ext>
             </a:extLst>
           </p:cNvPr>
-          <p:cNvGraphicFramePr>
-            <a:graphicFrameLocks noChangeAspect="1"/>
-          </p:cNvGraphicFramePr>
-          <p:nvPr>
-            <p:extLst>
-              <p:ext uri="{D42A27DB-BD31-4B8C-83A1-F6EECF244321}">
-                <p14:modId xmlns:p14="http://schemas.microsoft.com/office/powerpoint/2010/main" val="1571374582"/>
-              </p:ext>
-            </p:extLst>
-          </p:nvPr>
-        </p:nvGraphicFramePr>
-        <p:xfrm>
-          <a:off x="437671" y="0"/>
-          <a:ext cx="6979023" cy="6858000"/>
-        </p:xfrm>
-        <a:graphic>
-          <a:graphicData uri="http://schemas.openxmlformats.org/presentationml/2006/ole">
-            <mc:AlternateContent xmlns:mc="http://schemas.openxmlformats.org/markup-compatibility/2006">
-              <mc:Choice xmlns:v="urn:schemas-microsoft-com:vml" Requires="v">
-                <p:oleObj spid="_x0000_s1027" name="文档" r:id="rId3" imgW="5803900" imgH="5676900" progId="Word.Document.12">
-                  <p:embed/>
-                </p:oleObj>
-              </mc:Choice>
-              <mc:Fallback>
-                <p:oleObj name="文档" r:id="rId3" imgW="5803900" imgH="5676900" progId="Word.Document.12">
-                  <p:embed/>
-                  <p:pic>
-                    <p:nvPicPr>
-                      <p:cNvPr id="0" name="Object 1"/>
-                      <p:cNvPicPr>
-                        <a:picLocks noChangeAspect="1" noChangeArrowheads="1"/>
-                      </p:cNvPicPr>
-                      <p:nvPr/>
-                    </p:nvPicPr>
-                    <p:blipFill>
-                      <a:blip r:embed="rId4">
-                        <a:extLst>
-                          <a:ext uri="{28A0092B-C50C-407E-A947-70E740481C1C}">
-                            <a14:useLocalDpi xmlns:a14="http://schemas.microsoft.com/office/drawing/2010/main" val="0"/>
-                          </a:ext>
-                        </a:extLst>
-                      </a:blip>
-                      <a:srcRect/>
-                      <a:stretch>
-                        <a:fillRect/>
-                      </a:stretch>
-                    </p:blipFill>
-                    <p:spPr bwMode="auto">
-                      <a:xfrm>
-                        <a:off x="437671" y="0"/>
-                        <a:ext cx="6979023" cy="6858000"/>
-                      </a:xfrm>
-                      <a:prstGeom prst="rect">
-                        <a:avLst/>
-                      </a:prstGeom>
-                      <a:noFill/>
-                    </p:spPr>
-                  </p:pic>
-                </p:oleObj>
-              </mc:Fallback>
-            </mc:AlternateContent>
-          </a:graphicData>
-        </a:graphic>
-      </p:graphicFrame>
+          <p:cNvGrpSpPr/>
+          <p:nvPr/>
+        </p:nvGrpSpPr>
+        <p:grpSpPr>
+          <a:xfrm>
+            <a:off x="882967" y="700722"/>
+            <a:ext cx="5793740" cy="5456555"/>
+            <a:chOff x="0" y="0"/>
+            <a:chExt cx="5793740" cy="5456555"/>
+          </a:xfrm>
+        </p:grpSpPr>
+        <p:sp>
+          <p:nvSpPr>
+            <p:cNvPr id="8" name="矩形 7">
+              <a:extLst>
+                <a:ext uri="{FF2B5EF4-FFF2-40B4-BE49-F238E27FC236}">
+                  <a16:creationId xmlns:a16="http://schemas.microsoft.com/office/drawing/2014/main" id="{AAA38468-18EC-3A44-9EB5-F2745F1F9426}"/>
+                </a:ext>
+              </a:extLst>
+            </p:cNvPr>
+            <p:cNvSpPr/>
+            <p:nvPr/>
+          </p:nvSpPr>
+          <p:spPr>
+            <a:xfrm>
+              <a:off x="0" y="0"/>
+              <a:ext cx="5793740" cy="5456555"/>
+            </a:xfrm>
+            <a:prstGeom prst="rect">
+              <a:avLst/>
+            </a:prstGeom>
+            <a:noFill/>
+          </p:spPr>
+        </p:sp>
+        <p:sp>
+          <p:nvSpPr>
+            <p:cNvPr id="9" name="Rectangle 823">
+              <a:extLst>
+                <a:ext uri="{FF2B5EF4-FFF2-40B4-BE49-F238E27FC236}">
+                  <a16:creationId xmlns:a16="http://schemas.microsoft.com/office/drawing/2014/main" id="{60DF89EF-A42E-E449-B771-6C495E44DDBA}"/>
+                </a:ext>
+              </a:extLst>
+            </p:cNvPr>
+            <p:cNvSpPr>
+              <a:spLocks noRot="1" noChangeAspect="1" noEditPoints="1" noChangeArrowheads="1" noChangeShapeType="1" noTextEdit="1"/>
+            </p:cNvSpPr>
+            <p:nvPr/>
+          </p:nvSpPr>
+          <p:spPr bwMode="auto">
+            <a:xfrm>
+              <a:off x="2846020" y="4238643"/>
+              <a:ext cx="454003" cy="314303"/>
+            </a:xfrm>
+            <a:prstGeom prst="rect">
+              <a:avLst/>
+            </a:prstGeom>
+            <a:solidFill>
+              <a:srgbClr val="FFFFFF"/>
+            </a:solidFill>
+            <a:ln>
+              <a:noFill/>
+            </a:ln>
+            <a:extLst>
+              <a:ext uri="{91240B29-F687-4F45-9708-019B960494DF}">
+                <a14:hiddenLine xmlns:a14="http://schemas.microsoft.com/office/drawing/2010/main" w="9525">
+                  <a:solidFill>
+                    <a:srgbClr val="000000"/>
+                  </a:solidFill>
+                  <a:miter lim="800000"/>
+                  <a:headEnd/>
+                  <a:tailEnd/>
+                </a14:hiddenLine>
+              </a:ext>
+            </a:extLst>
+          </p:spPr>
+          <p:txBody>
+            <a:bodyPr rot="0" vert="horz" wrap="square" lIns="91440" tIns="45720" rIns="91440" bIns="45720" anchor="t" anchorCtr="0" upright="1">
+              <a:noAutofit/>
+            </a:bodyPr>
+            <a:lstStyle/>
+            <a:p>
+              <a:pPr>
+                <a:lnSpc>
+                  <a:spcPct val="115000"/>
+                </a:lnSpc>
+                <a:spcAft>
+                  <a:spcPts val="1000"/>
+                </a:spcAft>
+              </a:pPr>
+              <a:r>
+                <a:rPr lang="en-US" sz="1200">
+                  <a:effectLst/>
+                  <a:latin typeface="Times New Roman" panose="02020603050405020304" pitchFamily="18" charset="0"/>
+                  <a:ea typeface="宋体" panose="02010600030101010101" pitchFamily="2" charset="-122"/>
+                  <a:cs typeface="Times New Roman" panose="02020603050405020304" pitchFamily="18" charset="0"/>
+                </a:rPr>
+                <a:t>IX</a:t>
+              </a:r>
+              <a:endParaRPr lang="zh-CN" sz="1100">
+                <a:effectLst/>
+                <a:latin typeface="Calibri" panose="020F0502020204030204" pitchFamily="34" charset="0"/>
+                <a:ea typeface="宋体" panose="02010600030101010101" pitchFamily="2" charset="-122"/>
+                <a:cs typeface="Times New Roman" panose="02020603050405020304" pitchFamily="18" charset="0"/>
+              </a:endParaRPr>
+            </a:p>
+          </p:txBody>
+        </p:sp>
+        <p:sp>
+          <p:nvSpPr>
+            <p:cNvPr id="10" name="Rectangle 824">
+              <a:extLst>
+                <a:ext uri="{FF2B5EF4-FFF2-40B4-BE49-F238E27FC236}">
+                  <a16:creationId xmlns:a16="http://schemas.microsoft.com/office/drawing/2014/main" id="{7F6D45EE-1CC4-A941-808D-965DF2A781F2}"/>
+                </a:ext>
+              </a:extLst>
+            </p:cNvPr>
+            <p:cNvSpPr>
+              <a:spLocks noRot="1" noChangeAspect="1" noEditPoints="1" noChangeArrowheads="1" noChangeShapeType="1" noTextEdit="1"/>
+            </p:cNvSpPr>
+            <p:nvPr/>
+          </p:nvSpPr>
+          <p:spPr bwMode="auto">
+            <a:xfrm>
+              <a:off x="1983714" y="2463825"/>
+              <a:ext cx="454003" cy="347904"/>
+            </a:xfrm>
+            <a:prstGeom prst="rect">
+              <a:avLst/>
+            </a:prstGeom>
+            <a:solidFill>
+              <a:srgbClr val="FFFFFF"/>
+            </a:solidFill>
+            <a:ln>
+              <a:noFill/>
+            </a:ln>
+            <a:extLst>
+              <a:ext uri="{91240B29-F687-4F45-9708-019B960494DF}">
+                <a14:hiddenLine xmlns:a14="http://schemas.microsoft.com/office/drawing/2010/main" w="9525">
+                  <a:solidFill>
+                    <a:srgbClr val="000000"/>
+                  </a:solidFill>
+                  <a:miter lim="800000"/>
+                  <a:headEnd/>
+                  <a:tailEnd/>
+                </a14:hiddenLine>
+              </a:ext>
+            </a:extLst>
+          </p:spPr>
+          <p:txBody>
+            <a:bodyPr rot="0" vert="horz" wrap="square" lIns="91440" tIns="45720" rIns="91440" bIns="45720" anchor="t" anchorCtr="0" upright="1">
+              <a:noAutofit/>
+            </a:bodyPr>
+            <a:lstStyle/>
+            <a:p>
+              <a:pPr>
+                <a:lnSpc>
+                  <a:spcPct val="115000"/>
+                </a:lnSpc>
+                <a:spcAft>
+                  <a:spcPts val="1000"/>
+                </a:spcAft>
+              </a:pPr>
+              <a:r>
+                <a:rPr lang="en-US" sz="1200">
+                  <a:effectLst/>
+                  <a:latin typeface="Times New Roman" panose="02020603050405020304" pitchFamily="18" charset="0"/>
+                  <a:ea typeface="宋体" panose="02010600030101010101" pitchFamily="2" charset="-122"/>
+                  <a:cs typeface="Times New Roman" panose="02020603050405020304" pitchFamily="18" charset="0"/>
+                </a:rPr>
+                <a:t>V</a:t>
+              </a:r>
+              <a:endParaRPr lang="zh-CN" sz="1100">
+                <a:effectLst/>
+                <a:latin typeface="Calibri" panose="020F0502020204030204" pitchFamily="34" charset="0"/>
+                <a:ea typeface="宋体" panose="02010600030101010101" pitchFamily="2" charset="-122"/>
+                <a:cs typeface="Times New Roman" panose="02020603050405020304" pitchFamily="18" charset="0"/>
+              </a:endParaRPr>
+            </a:p>
+          </p:txBody>
+        </p:sp>
+        <p:sp>
+          <p:nvSpPr>
+            <p:cNvPr id="11" name="Rectangle 825">
+              <a:extLst>
+                <a:ext uri="{FF2B5EF4-FFF2-40B4-BE49-F238E27FC236}">
+                  <a16:creationId xmlns:a16="http://schemas.microsoft.com/office/drawing/2014/main" id="{56897A13-BC1F-D34A-9BF6-824AA2DB3AB6}"/>
+                </a:ext>
+              </a:extLst>
+            </p:cNvPr>
+            <p:cNvSpPr>
+              <a:spLocks noRot="1" noChangeAspect="1" noEditPoints="1" noChangeArrowheads="1" noChangeShapeType="1" noTextEdit="1"/>
+            </p:cNvSpPr>
+            <p:nvPr/>
+          </p:nvSpPr>
+          <p:spPr bwMode="auto">
+            <a:xfrm>
+              <a:off x="1983714" y="711807"/>
+              <a:ext cx="295302" cy="314303"/>
+            </a:xfrm>
+            <a:prstGeom prst="rect">
+              <a:avLst/>
+            </a:prstGeom>
+            <a:solidFill>
+              <a:srgbClr val="FFFFFF"/>
+            </a:solidFill>
+            <a:ln>
+              <a:noFill/>
+            </a:ln>
+            <a:extLst>
+              <a:ext uri="{91240B29-F687-4F45-9708-019B960494DF}">
+                <a14:hiddenLine xmlns:a14="http://schemas.microsoft.com/office/drawing/2010/main" w="9525">
+                  <a:solidFill>
+                    <a:srgbClr val="000000"/>
+                  </a:solidFill>
+                  <a:miter lim="800000"/>
+                  <a:headEnd/>
+                  <a:tailEnd/>
+                </a14:hiddenLine>
+              </a:ext>
+            </a:extLst>
+          </p:spPr>
+          <p:txBody>
+            <a:bodyPr rot="0" vert="horz" wrap="square" lIns="91440" tIns="45720" rIns="91440" bIns="45720" anchor="t" anchorCtr="0" upright="1">
+              <a:noAutofit/>
+            </a:bodyPr>
+            <a:lstStyle/>
+            <a:p>
+              <a:pPr>
+                <a:lnSpc>
+                  <a:spcPct val="115000"/>
+                </a:lnSpc>
+                <a:spcAft>
+                  <a:spcPts val="1000"/>
+                </a:spcAft>
+              </a:pPr>
+              <a:r>
+                <a:rPr lang="en-US" sz="1200">
+                  <a:effectLst/>
+                  <a:latin typeface="Times New Roman" panose="02020603050405020304" pitchFamily="18" charset="0"/>
+                  <a:ea typeface="宋体" panose="02010600030101010101" pitchFamily="2" charset="-122"/>
+                  <a:cs typeface="Times New Roman" panose="02020603050405020304" pitchFamily="18" charset="0"/>
+                </a:rPr>
+                <a:t>I</a:t>
+              </a:r>
+              <a:endParaRPr lang="zh-CN" sz="1100">
+                <a:effectLst/>
+                <a:latin typeface="Calibri" panose="020F0502020204030204" pitchFamily="34" charset="0"/>
+                <a:ea typeface="宋体" panose="02010600030101010101" pitchFamily="2" charset="-122"/>
+                <a:cs typeface="Times New Roman" panose="02020603050405020304" pitchFamily="18" charset="0"/>
+              </a:endParaRPr>
+            </a:p>
+          </p:txBody>
+        </p:sp>
+        <p:sp>
+          <p:nvSpPr>
+            <p:cNvPr id="12" name="Rectangle 826">
+              <a:extLst>
+                <a:ext uri="{FF2B5EF4-FFF2-40B4-BE49-F238E27FC236}">
+                  <a16:creationId xmlns:a16="http://schemas.microsoft.com/office/drawing/2014/main" id="{9AB79A3D-7239-6D45-B456-6AD9B579626A}"/>
+                </a:ext>
+              </a:extLst>
+            </p:cNvPr>
+            <p:cNvSpPr>
+              <a:spLocks noRot="1" noChangeAspect="1" noEditPoints="1" noChangeArrowheads="1" noChangeShapeType="1" noTextEdit="1"/>
+            </p:cNvSpPr>
+            <p:nvPr/>
+          </p:nvSpPr>
+          <p:spPr bwMode="auto">
+            <a:xfrm>
+              <a:off x="1960814" y="1477015"/>
+              <a:ext cx="466103" cy="314303"/>
+            </a:xfrm>
+            <a:prstGeom prst="rect">
+              <a:avLst/>
+            </a:prstGeom>
+            <a:solidFill>
+              <a:srgbClr val="FFFFFF"/>
+            </a:solidFill>
+            <a:ln>
+              <a:noFill/>
+            </a:ln>
+            <a:extLst>
+              <a:ext uri="{91240B29-F687-4F45-9708-019B960494DF}">
+                <a14:hiddenLine xmlns:a14="http://schemas.microsoft.com/office/drawing/2010/main" w="9525">
+                  <a:solidFill>
+                    <a:srgbClr val="000000"/>
+                  </a:solidFill>
+                  <a:miter lim="800000"/>
+                  <a:headEnd/>
+                  <a:tailEnd/>
+                </a14:hiddenLine>
+              </a:ext>
+            </a:extLst>
+          </p:spPr>
+          <p:txBody>
+            <a:bodyPr rot="0" vert="horz" wrap="square" lIns="91440" tIns="45720" rIns="91440" bIns="45720" anchor="t" anchorCtr="0" upright="1">
+              <a:noAutofit/>
+            </a:bodyPr>
+            <a:lstStyle/>
+            <a:p>
+              <a:pPr>
+                <a:lnSpc>
+                  <a:spcPct val="115000"/>
+                </a:lnSpc>
+                <a:spcAft>
+                  <a:spcPts val="1000"/>
+                </a:spcAft>
+              </a:pPr>
+              <a:r>
+                <a:rPr lang="en-US" sz="1200">
+                  <a:effectLst/>
+                  <a:latin typeface="Times New Roman" panose="02020603050405020304" pitchFamily="18" charset="0"/>
+                  <a:ea typeface="宋体" panose="02010600030101010101" pitchFamily="2" charset="-122"/>
+                  <a:cs typeface="Times New Roman" panose="02020603050405020304" pitchFamily="18" charset="0"/>
+                </a:rPr>
+                <a:t>II</a:t>
+              </a:r>
+              <a:endParaRPr lang="zh-CN" sz="1100">
+                <a:effectLst/>
+                <a:latin typeface="Calibri" panose="020F0502020204030204" pitchFamily="34" charset="0"/>
+                <a:ea typeface="宋体" panose="02010600030101010101" pitchFamily="2" charset="-122"/>
+                <a:cs typeface="Times New Roman" panose="02020603050405020304" pitchFamily="18" charset="0"/>
+              </a:endParaRPr>
+            </a:p>
+          </p:txBody>
+        </p:sp>
+        <p:sp>
+          <p:nvSpPr>
+            <p:cNvPr id="13" name="Oval 827">
+              <a:extLst>
+                <a:ext uri="{FF2B5EF4-FFF2-40B4-BE49-F238E27FC236}">
+                  <a16:creationId xmlns:a16="http://schemas.microsoft.com/office/drawing/2014/main" id="{5E694375-EDB6-C842-BEE3-227A316BF541}"/>
+                </a:ext>
+              </a:extLst>
+            </p:cNvPr>
+            <p:cNvSpPr>
+              <a:spLocks noRot="1" noChangeAspect="1" noEditPoints="1" noChangeArrowheads="1" noChangeShapeType="1" noTextEdit="1"/>
+            </p:cNvSpPr>
+            <p:nvPr/>
+          </p:nvSpPr>
+          <p:spPr bwMode="auto">
+            <a:xfrm>
+              <a:off x="942307" y="215202"/>
+              <a:ext cx="1661811" cy="464205"/>
+            </a:xfrm>
+            <a:prstGeom prst="ellipse">
+              <a:avLst/>
+            </a:prstGeom>
+            <a:solidFill>
+              <a:srgbClr val="FFFFFF"/>
+            </a:solidFill>
+            <a:ln w="9525">
+              <a:solidFill>
+                <a:srgbClr val="000000"/>
+              </a:solidFill>
+              <a:round/>
+              <a:headEnd/>
+              <a:tailEnd/>
+            </a:ln>
+          </p:spPr>
+          <p:txBody>
+            <a:bodyPr rot="0" vert="horz" wrap="square" lIns="91440" tIns="45720" rIns="91440" bIns="45720" anchor="t" anchorCtr="0" upright="1">
+              <a:noAutofit/>
+            </a:bodyPr>
+            <a:lstStyle/>
+            <a:p>
+              <a:pPr algn="ctr">
+                <a:lnSpc>
+                  <a:spcPct val="115000"/>
+                </a:lnSpc>
+                <a:spcAft>
+                  <a:spcPts val="1000"/>
+                </a:spcAft>
+              </a:pPr>
+              <a:r>
+                <a:rPr lang="zh-CN" sz="1200">
+                  <a:effectLst/>
+                  <a:latin typeface="Times New Roman" panose="02020603050405020304" pitchFamily="18" charset="0"/>
+                  <a:ea typeface="宋体" panose="02010600030101010101" pitchFamily="2" charset="-122"/>
+                  <a:cs typeface="Times New Roman" panose="02020603050405020304" pitchFamily="18" charset="0"/>
+                </a:rPr>
+                <a:t>信息提交者</a:t>
+              </a:r>
+              <a:endParaRPr lang="zh-CN" sz="1100">
+                <a:effectLst/>
+                <a:latin typeface="Calibri" panose="020F0502020204030204" pitchFamily="34" charset="0"/>
+                <a:ea typeface="宋体" panose="02010600030101010101" pitchFamily="2" charset="-122"/>
+                <a:cs typeface="Times New Roman" panose="02020603050405020304" pitchFamily="18" charset="0"/>
+              </a:endParaRPr>
+            </a:p>
+          </p:txBody>
+        </p:sp>
+        <p:sp>
+          <p:nvSpPr>
+            <p:cNvPr id="14" name="Oval 828">
+              <a:extLst>
+                <a:ext uri="{FF2B5EF4-FFF2-40B4-BE49-F238E27FC236}">
+                  <a16:creationId xmlns:a16="http://schemas.microsoft.com/office/drawing/2014/main" id="{4FCAA90B-E741-9A4B-A0EF-23917C917FFD}"/>
+                </a:ext>
+              </a:extLst>
+            </p:cNvPr>
+            <p:cNvSpPr>
+              <a:spLocks noRot="1" noChangeAspect="1" noEditPoints="1" noChangeArrowheads="1" noChangeShapeType="1" noTextEdit="1"/>
+            </p:cNvSpPr>
+            <p:nvPr/>
+          </p:nvSpPr>
+          <p:spPr bwMode="auto">
+            <a:xfrm>
+              <a:off x="1122008" y="4053241"/>
+              <a:ext cx="1455410" cy="544205"/>
+            </a:xfrm>
+            <a:prstGeom prst="ellipse">
+              <a:avLst/>
+            </a:prstGeom>
+            <a:solidFill>
+              <a:srgbClr val="FFFFFF"/>
+            </a:solidFill>
+            <a:ln w="9525">
+              <a:solidFill>
+                <a:srgbClr val="000000"/>
+              </a:solidFill>
+              <a:round/>
+              <a:headEnd/>
+              <a:tailEnd/>
+            </a:ln>
+          </p:spPr>
+          <p:txBody>
+            <a:bodyPr rot="0" vert="horz" wrap="square" lIns="91440" tIns="45720" rIns="91440" bIns="45720" anchor="t" anchorCtr="0" upright="1">
+              <a:noAutofit/>
+            </a:bodyPr>
+            <a:lstStyle/>
+            <a:p>
+              <a:pPr algn="ctr">
+                <a:lnSpc>
+                  <a:spcPct val="115000"/>
+                </a:lnSpc>
+                <a:spcAft>
+                  <a:spcPts val="1000"/>
+                </a:spcAft>
+              </a:pPr>
+              <a:r>
+                <a:rPr lang="zh-CN" sz="1200">
+                  <a:effectLst/>
+                  <a:latin typeface="Times New Roman" panose="02020603050405020304" pitchFamily="18" charset="0"/>
+                  <a:ea typeface="宋体" panose="02010600030101010101" pitchFamily="2" charset="-122"/>
+                  <a:cs typeface="Times New Roman" panose="02020603050405020304" pitchFamily="18" charset="0"/>
+                </a:rPr>
+                <a:t>跟随者</a:t>
+              </a:r>
+              <a:endParaRPr lang="zh-CN" sz="1100">
+                <a:effectLst/>
+                <a:latin typeface="Calibri" panose="020F0502020204030204" pitchFamily="34" charset="0"/>
+                <a:ea typeface="宋体" panose="02010600030101010101" pitchFamily="2" charset="-122"/>
+                <a:cs typeface="Times New Roman" panose="02020603050405020304" pitchFamily="18" charset="0"/>
+              </a:endParaRPr>
+            </a:p>
+          </p:txBody>
+        </p:sp>
+        <p:sp>
+          <p:nvSpPr>
+            <p:cNvPr id="15" name="Oval 829">
+              <a:extLst>
+                <a:ext uri="{FF2B5EF4-FFF2-40B4-BE49-F238E27FC236}">
+                  <a16:creationId xmlns:a16="http://schemas.microsoft.com/office/drawing/2014/main" id="{03203D7B-B226-9E40-A1D4-ABDF547DB2D1}"/>
+                </a:ext>
+              </a:extLst>
+            </p:cNvPr>
+            <p:cNvSpPr>
+              <a:spLocks noRot="1" noChangeAspect="1" noEditPoints="1" noChangeArrowheads="1" noChangeShapeType="1" noTextEdit="1"/>
+            </p:cNvSpPr>
+            <p:nvPr/>
+          </p:nvSpPr>
+          <p:spPr bwMode="auto">
+            <a:xfrm>
+              <a:off x="693405" y="1742418"/>
+              <a:ext cx="2237115" cy="463505"/>
+            </a:xfrm>
+            <a:prstGeom prst="ellipse">
+              <a:avLst/>
+            </a:prstGeom>
+            <a:solidFill>
+              <a:srgbClr val="FFFFFF"/>
+            </a:solidFill>
+            <a:ln w="9525">
+              <a:solidFill>
+                <a:srgbClr val="000000"/>
+              </a:solidFill>
+              <a:round/>
+              <a:headEnd/>
+              <a:tailEnd/>
+            </a:ln>
+          </p:spPr>
+          <p:txBody>
+            <a:bodyPr rot="0" vert="horz" wrap="square" lIns="91440" tIns="45720" rIns="91440" bIns="45720" anchor="t" anchorCtr="0" upright="1">
+              <a:noAutofit/>
+            </a:bodyPr>
+            <a:lstStyle/>
+            <a:p>
+              <a:pPr algn="ctr">
+                <a:lnSpc>
+                  <a:spcPct val="115000"/>
+                </a:lnSpc>
+                <a:spcAft>
+                  <a:spcPts val="1000"/>
+                </a:spcAft>
+              </a:pPr>
+              <a:r>
+                <a:rPr lang="zh-CN" sz="1050">
+                  <a:effectLst/>
+                  <a:latin typeface="Calibri" panose="020F0502020204030204" pitchFamily="34" charset="0"/>
+                  <a:ea typeface="宋体" panose="02010600030101010101" pitchFamily="2" charset="-122"/>
+                  <a:cs typeface="Times New Roman" panose="02020603050405020304" pitchFamily="18" charset="0"/>
+                </a:rPr>
+                <a:t>群体把关人</a:t>
+              </a:r>
+              <a:endParaRPr lang="zh-CN" sz="1100">
+                <a:effectLst/>
+                <a:latin typeface="Calibri" panose="020F0502020204030204" pitchFamily="34" charset="0"/>
+                <a:ea typeface="宋体" panose="02010600030101010101" pitchFamily="2" charset="-122"/>
+                <a:cs typeface="Times New Roman" panose="02020603050405020304" pitchFamily="18" charset="0"/>
+              </a:endParaRPr>
+            </a:p>
+          </p:txBody>
+        </p:sp>
+        <p:sp>
+          <p:nvSpPr>
+            <p:cNvPr id="16" name="Rectangle 830">
+              <a:extLst>
+                <a:ext uri="{FF2B5EF4-FFF2-40B4-BE49-F238E27FC236}">
+                  <a16:creationId xmlns:a16="http://schemas.microsoft.com/office/drawing/2014/main" id="{A9752EED-951F-2B46-B107-4A6650B58605}"/>
+                </a:ext>
+              </a:extLst>
+            </p:cNvPr>
+            <p:cNvSpPr>
+              <a:spLocks noRot="1" noChangeAspect="1" noEditPoints="1" noChangeArrowheads="1" noChangeShapeType="1" noTextEdit="1"/>
+            </p:cNvSpPr>
+            <p:nvPr/>
+          </p:nvSpPr>
+          <p:spPr bwMode="auto">
+            <a:xfrm>
+              <a:off x="1072507" y="977210"/>
+              <a:ext cx="1433810" cy="454005"/>
+            </a:xfrm>
+            <a:prstGeom prst="rect">
+              <a:avLst/>
+            </a:prstGeom>
+            <a:solidFill>
+              <a:srgbClr val="FFFFFF"/>
+            </a:solidFill>
+            <a:ln w="9525">
+              <a:solidFill>
+                <a:srgbClr val="000000"/>
+              </a:solidFill>
+              <a:miter lim="800000"/>
+              <a:headEnd/>
+              <a:tailEnd/>
+            </a:ln>
+          </p:spPr>
+          <p:txBody>
+            <a:bodyPr rot="0" vert="horz" wrap="square" lIns="91440" tIns="45720" rIns="91440" bIns="45720" anchor="t" anchorCtr="0" upright="1">
+              <a:noAutofit/>
+            </a:bodyPr>
+            <a:lstStyle/>
+            <a:p>
+              <a:pPr algn="ctr">
+                <a:lnSpc>
+                  <a:spcPct val="115000"/>
+                </a:lnSpc>
+                <a:spcAft>
+                  <a:spcPts val="1000"/>
+                </a:spcAft>
+              </a:pPr>
+              <a:r>
+                <a:rPr lang="zh-CN" sz="1200">
+                  <a:effectLst/>
+                  <a:latin typeface="Times New Roman" panose="02020603050405020304" pitchFamily="18" charset="0"/>
+                  <a:ea typeface="宋体" panose="02010600030101010101" pitchFamily="2" charset="-122"/>
+                  <a:cs typeface="Times New Roman" panose="02020603050405020304" pitchFamily="18" charset="0"/>
+                </a:rPr>
+                <a:t>新近新闻页面</a:t>
+              </a:r>
+              <a:endParaRPr lang="zh-CN" sz="1100">
+                <a:effectLst/>
+                <a:latin typeface="Calibri" panose="020F0502020204030204" pitchFamily="34" charset="0"/>
+                <a:ea typeface="宋体" panose="02010600030101010101" pitchFamily="2" charset="-122"/>
+                <a:cs typeface="Times New Roman" panose="02020603050405020304" pitchFamily="18" charset="0"/>
+              </a:endParaRPr>
+            </a:p>
+          </p:txBody>
+        </p:sp>
+        <p:sp>
+          <p:nvSpPr>
+            <p:cNvPr id="17" name="Rectangle 831">
+              <a:extLst>
+                <a:ext uri="{FF2B5EF4-FFF2-40B4-BE49-F238E27FC236}">
+                  <a16:creationId xmlns:a16="http://schemas.microsoft.com/office/drawing/2014/main" id="{FB20328B-F364-9449-9E44-91F66E1592D6}"/>
+                </a:ext>
+              </a:extLst>
+            </p:cNvPr>
+            <p:cNvSpPr>
+              <a:spLocks noRot="1" noChangeAspect="1" noEditPoints="1" noChangeArrowheads="1" noChangeShapeType="1" noTextEdit="1"/>
+            </p:cNvSpPr>
+            <p:nvPr/>
+          </p:nvSpPr>
+          <p:spPr bwMode="auto">
+            <a:xfrm>
+              <a:off x="1122008" y="2811728"/>
+              <a:ext cx="1428710" cy="644606"/>
+            </a:xfrm>
+            <a:prstGeom prst="rect">
+              <a:avLst/>
+            </a:prstGeom>
+            <a:solidFill>
+              <a:srgbClr val="FFFFFF"/>
+            </a:solidFill>
+            <a:ln w="9525">
+              <a:solidFill>
+                <a:srgbClr val="000000"/>
+              </a:solidFill>
+              <a:miter lim="800000"/>
+              <a:headEnd/>
+              <a:tailEnd/>
+            </a:ln>
+          </p:spPr>
+          <p:txBody>
+            <a:bodyPr rot="0" vert="horz" wrap="square" lIns="91440" tIns="45720" rIns="91440" bIns="45720" anchor="t" anchorCtr="0" upright="1">
+              <a:noAutofit/>
+            </a:bodyPr>
+            <a:lstStyle/>
+            <a:p>
+              <a:pPr algn="ctr">
+                <a:lnSpc>
+                  <a:spcPct val="115000"/>
+                </a:lnSpc>
+                <a:spcAft>
+                  <a:spcPts val="1000"/>
+                </a:spcAft>
+              </a:pPr>
+              <a:r>
+                <a:rPr lang="zh-CN" sz="1200">
+                  <a:effectLst/>
+                  <a:latin typeface="Times New Roman" panose="02020603050405020304" pitchFamily="18" charset="0"/>
+                  <a:ea typeface="宋体" panose="02010600030101010101" pitchFamily="2" charset="-122"/>
+                  <a:cs typeface="Times New Roman" panose="02020603050405020304" pitchFamily="18" charset="0"/>
+                </a:rPr>
+                <a:t>流行新闻页面</a:t>
+              </a:r>
+              <a:endParaRPr lang="zh-CN" sz="1100">
+                <a:effectLst/>
+                <a:latin typeface="Calibri" panose="020F0502020204030204" pitchFamily="34" charset="0"/>
+                <a:ea typeface="宋体" panose="02010600030101010101" pitchFamily="2" charset="-122"/>
+                <a:cs typeface="Times New Roman" panose="02020603050405020304" pitchFamily="18" charset="0"/>
+              </a:endParaRPr>
+            </a:p>
+          </p:txBody>
+        </p:sp>
+        <p:sp>
+          <p:nvSpPr>
+            <p:cNvPr id="18" name="AutoShape 832">
+              <a:extLst>
+                <a:ext uri="{FF2B5EF4-FFF2-40B4-BE49-F238E27FC236}">
+                  <a16:creationId xmlns:a16="http://schemas.microsoft.com/office/drawing/2014/main" id="{82663C6F-07B1-824C-A4FB-B4F8A9B632F8}"/>
+                </a:ext>
+              </a:extLst>
+            </p:cNvPr>
+            <p:cNvSpPr>
+              <a:spLocks noRot="1" noChangeAspect="1" noEditPoints="1" noChangeArrowheads="1" noChangeShapeType="1" noTextEdit="1"/>
+            </p:cNvSpPr>
+            <p:nvPr/>
+          </p:nvSpPr>
+          <p:spPr bwMode="auto">
+            <a:xfrm>
+              <a:off x="1766512" y="730807"/>
+              <a:ext cx="156201" cy="167702"/>
+            </a:xfrm>
+            <a:prstGeom prst="downArrow">
+              <a:avLst>
+                <a:gd name="adj1" fmla="val 50000"/>
+                <a:gd name="adj2" fmla="val 26841"/>
+              </a:avLst>
+            </a:prstGeom>
+            <a:solidFill>
+              <a:srgbClr val="FFFFFF"/>
+            </a:solidFill>
+            <a:ln w="9525">
+              <a:solidFill>
+                <a:srgbClr val="000000"/>
+              </a:solidFill>
+              <a:miter lim="800000"/>
+              <a:headEnd/>
+              <a:tailEnd/>
+            </a:ln>
+          </p:spPr>
+          <p:txBody>
+            <a:bodyPr rot="0" vert="eaVert" wrap="square" lIns="91440" tIns="45720" rIns="91440" bIns="45720" anchor="t" anchorCtr="0" upright="1">
+              <a:noAutofit/>
+            </a:bodyPr>
+            <a:lstStyle/>
+            <a:p>
+              <a:endParaRPr lang="zh-CN" altLang="en-US"/>
+            </a:p>
+          </p:txBody>
+        </p:sp>
+        <p:sp>
+          <p:nvSpPr>
+            <p:cNvPr id="19" name="AutoShape 833">
+              <a:extLst>
+                <a:ext uri="{FF2B5EF4-FFF2-40B4-BE49-F238E27FC236}">
+                  <a16:creationId xmlns:a16="http://schemas.microsoft.com/office/drawing/2014/main" id="{D59F2D8F-B340-EE4D-8B58-A09EF51F3450}"/>
+                </a:ext>
+              </a:extLst>
+            </p:cNvPr>
+            <p:cNvSpPr>
+              <a:spLocks noRot="1" noChangeAspect="1" noEditPoints="1" noChangeArrowheads="1" noChangeShapeType="1" noTextEdit="1"/>
+            </p:cNvSpPr>
+            <p:nvPr/>
+          </p:nvSpPr>
+          <p:spPr bwMode="auto">
+            <a:xfrm>
+              <a:off x="1739212" y="1487115"/>
+              <a:ext cx="212101" cy="167702"/>
+            </a:xfrm>
+            <a:prstGeom prst="downArrow">
+              <a:avLst>
+                <a:gd name="adj1" fmla="val 50000"/>
+                <a:gd name="adj2" fmla="val 25000"/>
+              </a:avLst>
+            </a:prstGeom>
+            <a:solidFill>
+              <a:srgbClr val="FFFFFF"/>
+            </a:solidFill>
+            <a:ln w="9525">
+              <a:solidFill>
+                <a:srgbClr val="000000"/>
+              </a:solidFill>
+              <a:miter lim="800000"/>
+              <a:headEnd/>
+              <a:tailEnd/>
+            </a:ln>
+          </p:spPr>
+          <p:txBody>
+            <a:bodyPr rot="0" vert="eaVert" wrap="square" lIns="91440" tIns="45720" rIns="91440" bIns="45720" anchor="t" anchorCtr="0" upright="1">
+              <a:noAutofit/>
+            </a:bodyPr>
+            <a:lstStyle/>
+            <a:p>
+              <a:endParaRPr lang="zh-CN" altLang="en-US"/>
+            </a:p>
+          </p:txBody>
+        </p:sp>
+        <p:sp>
+          <p:nvSpPr>
+            <p:cNvPr id="20" name="AutoShape 834">
+              <a:extLst>
+                <a:ext uri="{FF2B5EF4-FFF2-40B4-BE49-F238E27FC236}">
+                  <a16:creationId xmlns:a16="http://schemas.microsoft.com/office/drawing/2014/main" id="{DACDA525-92F1-AA4E-ABB9-FA30F54B2E48}"/>
+                </a:ext>
+              </a:extLst>
+            </p:cNvPr>
+            <p:cNvSpPr>
+              <a:spLocks noRot="1" noChangeAspect="1" noEditPoints="1" noChangeArrowheads="1" noChangeShapeType="1" noTextEdit="1"/>
+            </p:cNvSpPr>
+            <p:nvPr/>
+          </p:nvSpPr>
+          <p:spPr bwMode="auto">
+            <a:xfrm>
+              <a:off x="1580511" y="3508335"/>
+              <a:ext cx="535904" cy="435604"/>
+            </a:xfrm>
+            <a:prstGeom prst="downArrow">
+              <a:avLst>
+                <a:gd name="adj1" fmla="val 50000"/>
+                <a:gd name="adj2" fmla="val 25000"/>
+              </a:avLst>
+            </a:prstGeom>
+            <a:solidFill>
+              <a:srgbClr val="FFFFFF"/>
+            </a:solidFill>
+            <a:ln w="9525">
+              <a:solidFill>
+                <a:srgbClr val="000000"/>
+              </a:solidFill>
+              <a:miter lim="800000"/>
+              <a:headEnd/>
+              <a:tailEnd/>
+            </a:ln>
+          </p:spPr>
+          <p:txBody>
+            <a:bodyPr rot="0" vert="eaVert" wrap="square" lIns="91440" tIns="45720" rIns="91440" bIns="45720" anchor="t" anchorCtr="0" upright="1">
+              <a:noAutofit/>
+            </a:bodyPr>
+            <a:lstStyle/>
+            <a:p>
+              <a:endParaRPr lang="zh-CN" altLang="en-US"/>
+            </a:p>
+          </p:txBody>
+        </p:sp>
+        <p:cxnSp>
+          <p:nvCxnSpPr>
+            <p:cNvPr id="21" name="AutoShape 835">
+              <a:extLst>
+                <a:ext uri="{FF2B5EF4-FFF2-40B4-BE49-F238E27FC236}">
+                  <a16:creationId xmlns:a16="http://schemas.microsoft.com/office/drawing/2014/main" id="{45D214A8-8FC2-B54B-AA14-BEE92E678576}"/>
+                </a:ext>
+              </a:extLst>
+            </p:cNvPr>
+            <p:cNvCxnSpPr>
+              <a:cxnSpLocks noRot="1" noChangeAspect="1" noEditPoints="1" noChangeArrowheads="1" noChangeShapeType="1"/>
+            </p:cNvCxnSpPr>
+            <p:nvPr/>
+          </p:nvCxnSpPr>
+          <p:spPr bwMode="auto">
+            <a:xfrm>
+              <a:off x="255902" y="445104"/>
+              <a:ext cx="686405" cy="2500"/>
+            </a:xfrm>
+            <a:prstGeom prst="straightConnector1">
+              <a:avLst/>
+            </a:prstGeom>
+            <a:noFill/>
+            <a:ln w="9525">
+              <a:solidFill>
+                <a:srgbClr val="000000"/>
+              </a:solidFill>
+              <a:round/>
+              <a:headEnd/>
+              <a:tailEnd/>
+            </a:ln>
+            <a:extLst>
+              <a:ext uri="{909E8E84-426E-40DD-AFC4-6F175D3DCCD1}">
+                <a14:hiddenFill xmlns:a14="http://schemas.microsoft.com/office/drawing/2010/main">
+                  <a:noFill/>
+                </a14:hiddenFill>
+              </a:ext>
+            </a:extLst>
+          </p:spPr>
+        </p:cxnSp>
+        <p:cxnSp>
+          <p:nvCxnSpPr>
+            <p:cNvPr id="22" name="AutoShape 836">
+              <a:extLst>
+                <a:ext uri="{FF2B5EF4-FFF2-40B4-BE49-F238E27FC236}">
+                  <a16:creationId xmlns:a16="http://schemas.microsoft.com/office/drawing/2014/main" id="{89408F80-268D-3E42-83ED-56C75164475D}"/>
+                </a:ext>
+              </a:extLst>
+            </p:cNvPr>
+            <p:cNvCxnSpPr>
+              <a:cxnSpLocks noRot="1" noChangeAspect="1" noEditPoints="1" noChangeArrowheads="1" noChangeShapeType="1"/>
+            </p:cNvCxnSpPr>
+            <p:nvPr/>
+          </p:nvCxnSpPr>
+          <p:spPr bwMode="auto">
+            <a:xfrm>
+              <a:off x="255202" y="453305"/>
+              <a:ext cx="700" cy="1520915"/>
+            </a:xfrm>
+            <a:prstGeom prst="straightConnector1">
+              <a:avLst/>
+            </a:prstGeom>
+            <a:noFill/>
+            <a:ln w="9525">
+              <a:solidFill>
+                <a:srgbClr val="000000"/>
+              </a:solidFill>
+              <a:round/>
+              <a:headEnd/>
+              <a:tailEnd/>
+            </a:ln>
+            <a:extLst>
+              <a:ext uri="{909E8E84-426E-40DD-AFC4-6F175D3DCCD1}">
+                <a14:hiddenFill xmlns:a14="http://schemas.microsoft.com/office/drawing/2010/main">
+                  <a:noFill/>
+                </a14:hiddenFill>
+              </a:ext>
+            </a:extLst>
+          </p:spPr>
+        </p:cxnSp>
+        <p:cxnSp>
+          <p:nvCxnSpPr>
+            <p:cNvPr id="23" name="AutoShape 837">
+              <a:extLst>
+                <a:ext uri="{FF2B5EF4-FFF2-40B4-BE49-F238E27FC236}">
+                  <a16:creationId xmlns:a16="http://schemas.microsoft.com/office/drawing/2014/main" id="{7589750B-8262-DE4F-A4DA-0C6A62F442C9}"/>
+                </a:ext>
+              </a:extLst>
+            </p:cNvPr>
+            <p:cNvCxnSpPr>
+              <a:cxnSpLocks noRot="1" noChangeAspect="1" noEditPoints="1" noChangeArrowheads="1" noChangeShapeType="1"/>
+            </p:cNvCxnSpPr>
+            <p:nvPr/>
+          </p:nvCxnSpPr>
+          <p:spPr bwMode="auto">
+            <a:xfrm>
+              <a:off x="253302" y="4420845"/>
+              <a:ext cx="786805" cy="700"/>
+            </a:xfrm>
+            <a:prstGeom prst="straightConnector1">
+              <a:avLst/>
+            </a:prstGeom>
+            <a:noFill/>
+            <a:ln w="9525">
+              <a:solidFill>
+                <a:srgbClr val="000000"/>
+              </a:solidFill>
+              <a:round/>
+              <a:headEnd/>
+              <a:tailEnd type="triangle" w="med" len="med"/>
+            </a:ln>
+            <a:extLst>
+              <a:ext uri="{909E8E84-426E-40DD-AFC4-6F175D3DCCD1}">
+                <a14:hiddenFill xmlns:a14="http://schemas.microsoft.com/office/drawing/2010/main">
+                  <a:noFill/>
+                </a14:hiddenFill>
+              </a:ext>
+            </a:extLst>
+          </p:spPr>
+        </p:cxnSp>
+        <p:sp>
+          <p:nvSpPr>
+            <p:cNvPr id="24" name="Rectangle 838">
+              <a:extLst>
+                <a:ext uri="{FF2B5EF4-FFF2-40B4-BE49-F238E27FC236}">
+                  <a16:creationId xmlns:a16="http://schemas.microsoft.com/office/drawing/2014/main" id="{3B9045B0-9546-0044-8C9E-71BD242FAEBB}"/>
+                </a:ext>
+              </a:extLst>
+            </p:cNvPr>
+            <p:cNvSpPr>
+              <a:spLocks noRot="1" noChangeAspect="1" noEditPoints="1" noChangeArrowheads="1" noChangeShapeType="1" noTextEdit="1"/>
+            </p:cNvSpPr>
+            <p:nvPr/>
+          </p:nvSpPr>
+          <p:spPr bwMode="auto">
+            <a:xfrm>
+              <a:off x="2153215" y="3508335"/>
+              <a:ext cx="450903" cy="314403"/>
+            </a:xfrm>
+            <a:prstGeom prst="rect">
+              <a:avLst/>
+            </a:prstGeom>
+            <a:solidFill>
+              <a:srgbClr val="FFFFFF"/>
+            </a:solidFill>
+            <a:ln>
+              <a:noFill/>
+            </a:ln>
+            <a:extLst>
+              <a:ext uri="{91240B29-F687-4F45-9708-019B960494DF}">
+                <a14:hiddenLine xmlns:a14="http://schemas.microsoft.com/office/drawing/2010/main" w="9525">
+                  <a:solidFill>
+                    <a:srgbClr val="000000"/>
+                  </a:solidFill>
+                  <a:miter lim="800000"/>
+                  <a:headEnd/>
+                  <a:tailEnd/>
+                </a14:hiddenLine>
+              </a:ext>
+            </a:extLst>
+          </p:spPr>
+          <p:txBody>
+            <a:bodyPr rot="0" vert="horz" wrap="square" lIns="91440" tIns="45720" rIns="91440" bIns="45720" anchor="t" anchorCtr="0" upright="1">
+              <a:noAutofit/>
+            </a:bodyPr>
+            <a:lstStyle/>
+            <a:p>
+              <a:pPr>
+                <a:lnSpc>
+                  <a:spcPct val="115000"/>
+                </a:lnSpc>
+                <a:spcAft>
+                  <a:spcPts val="1000"/>
+                </a:spcAft>
+              </a:pPr>
+              <a:r>
+                <a:rPr lang="en-US" sz="1200">
+                  <a:effectLst/>
+                  <a:latin typeface="Times New Roman" panose="02020603050405020304" pitchFamily="18" charset="0"/>
+                  <a:ea typeface="宋体" panose="02010600030101010101" pitchFamily="2" charset="-122"/>
+                  <a:cs typeface="Times New Roman" panose="02020603050405020304" pitchFamily="18" charset="0"/>
+                </a:rPr>
+                <a:t>VI</a:t>
+              </a:r>
+              <a:endParaRPr lang="zh-CN" sz="1100">
+                <a:effectLst/>
+                <a:latin typeface="Calibri" panose="020F0502020204030204" pitchFamily="34" charset="0"/>
+                <a:ea typeface="宋体" panose="02010600030101010101" pitchFamily="2" charset="-122"/>
+                <a:cs typeface="Times New Roman" panose="02020603050405020304" pitchFamily="18" charset="0"/>
+              </a:endParaRPr>
+            </a:p>
+          </p:txBody>
+        </p:sp>
+        <p:cxnSp>
+          <p:nvCxnSpPr>
+            <p:cNvPr id="25" name="AutoShape 839">
+              <a:extLst>
+                <a:ext uri="{FF2B5EF4-FFF2-40B4-BE49-F238E27FC236}">
+                  <a16:creationId xmlns:a16="http://schemas.microsoft.com/office/drawing/2014/main" id="{5AE15777-BE7A-0640-A7F7-D8464F71822B}"/>
+                </a:ext>
+              </a:extLst>
+            </p:cNvPr>
+            <p:cNvCxnSpPr>
+              <a:cxnSpLocks noRot="1" noChangeAspect="1" noEditPoints="1" noChangeArrowheads="1" noChangeShapeType="1"/>
+            </p:cNvCxnSpPr>
+            <p:nvPr/>
+          </p:nvCxnSpPr>
+          <p:spPr bwMode="auto">
+            <a:xfrm>
+              <a:off x="3110821" y="445104"/>
+              <a:ext cx="1038907" cy="6300"/>
+            </a:xfrm>
+            <a:prstGeom prst="straightConnector1">
+              <a:avLst/>
+            </a:prstGeom>
+            <a:noFill/>
+            <a:ln w="9525">
+              <a:solidFill>
+                <a:srgbClr val="000000"/>
+              </a:solidFill>
+              <a:prstDash val="lgDash"/>
+              <a:round/>
+              <a:headEnd/>
+              <a:tailEnd/>
+            </a:ln>
+            <a:extLst>
+              <a:ext uri="{909E8E84-426E-40DD-AFC4-6F175D3DCCD1}">
+                <a14:hiddenFill xmlns:a14="http://schemas.microsoft.com/office/drawing/2010/main">
+                  <a:noFill/>
+                </a14:hiddenFill>
+              </a:ext>
+            </a:extLst>
+          </p:spPr>
+        </p:cxnSp>
+        <p:cxnSp>
+          <p:nvCxnSpPr>
+            <p:cNvPr id="26" name="AutoShape 840">
+              <a:extLst>
+                <a:ext uri="{FF2B5EF4-FFF2-40B4-BE49-F238E27FC236}">
+                  <a16:creationId xmlns:a16="http://schemas.microsoft.com/office/drawing/2014/main" id="{958EA897-0272-6C44-B1AB-DCE72ECD5990}"/>
+                </a:ext>
+              </a:extLst>
+            </p:cNvPr>
+            <p:cNvCxnSpPr>
+              <a:cxnSpLocks noRot="1" noChangeAspect="1" noEditPoints="1" noChangeArrowheads="1" noChangeShapeType="1"/>
+            </p:cNvCxnSpPr>
+            <p:nvPr/>
+          </p:nvCxnSpPr>
+          <p:spPr bwMode="auto">
+            <a:xfrm>
+              <a:off x="3063821" y="3699537"/>
+              <a:ext cx="1038907" cy="6300"/>
+            </a:xfrm>
+            <a:prstGeom prst="straightConnector1">
+              <a:avLst/>
+            </a:prstGeom>
+            <a:noFill/>
+            <a:ln w="9525">
+              <a:solidFill>
+                <a:srgbClr val="000000"/>
+              </a:solidFill>
+              <a:prstDash val="lgDash"/>
+              <a:round/>
+              <a:headEnd/>
+              <a:tailEnd/>
+            </a:ln>
+            <a:extLst>
+              <a:ext uri="{909E8E84-426E-40DD-AFC4-6F175D3DCCD1}">
+                <a14:hiddenFill xmlns:a14="http://schemas.microsoft.com/office/drawing/2010/main">
+                  <a:noFill/>
+                </a14:hiddenFill>
+              </a:ext>
+            </a:extLst>
+          </p:spPr>
+        </p:cxnSp>
+        <p:cxnSp>
+          <p:nvCxnSpPr>
+            <p:cNvPr id="27" name="AutoShape 841">
+              <a:extLst>
+                <a:ext uri="{FF2B5EF4-FFF2-40B4-BE49-F238E27FC236}">
+                  <a16:creationId xmlns:a16="http://schemas.microsoft.com/office/drawing/2014/main" id="{9839E502-8935-B743-9078-74DAD264D4CF}"/>
+                </a:ext>
+              </a:extLst>
+            </p:cNvPr>
+            <p:cNvCxnSpPr>
+              <a:cxnSpLocks noRot="1" noChangeAspect="1" noEditPoints="1" noChangeArrowheads="1" noChangeShapeType="1"/>
+            </p:cNvCxnSpPr>
+            <p:nvPr/>
+          </p:nvCxnSpPr>
+          <p:spPr bwMode="auto">
+            <a:xfrm flipH="1">
+              <a:off x="3583325" y="2535526"/>
+              <a:ext cx="15200" cy="1017310"/>
+            </a:xfrm>
+            <a:prstGeom prst="straightConnector1">
+              <a:avLst/>
+            </a:prstGeom>
+            <a:noFill/>
+            <a:ln w="9525">
+              <a:solidFill>
+                <a:srgbClr val="000000"/>
+              </a:solidFill>
+              <a:round/>
+              <a:headEnd/>
+              <a:tailEnd type="triangle" w="med" len="med"/>
+            </a:ln>
+            <a:extLst>
+              <a:ext uri="{909E8E84-426E-40DD-AFC4-6F175D3DCCD1}">
+                <a14:hiddenFill xmlns:a14="http://schemas.microsoft.com/office/drawing/2010/main">
+                  <a:noFill/>
+                </a14:hiddenFill>
+              </a:ext>
+            </a:extLst>
+          </p:spPr>
+        </p:cxnSp>
+        <p:cxnSp>
+          <p:nvCxnSpPr>
+            <p:cNvPr id="28" name="AutoShape 842">
+              <a:extLst>
+                <a:ext uri="{FF2B5EF4-FFF2-40B4-BE49-F238E27FC236}">
+                  <a16:creationId xmlns:a16="http://schemas.microsoft.com/office/drawing/2014/main" id="{2B425018-61FE-8A4C-8064-197ADF690650}"/>
+                </a:ext>
+              </a:extLst>
+            </p:cNvPr>
+            <p:cNvCxnSpPr>
+              <a:cxnSpLocks noRot="1" noChangeAspect="1" noEditPoints="1" noChangeArrowheads="1" noChangeShapeType="1"/>
+            </p:cNvCxnSpPr>
+            <p:nvPr/>
+          </p:nvCxnSpPr>
+          <p:spPr bwMode="auto">
+            <a:xfrm>
+              <a:off x="3110821" y="4118642"/>
+              <a:ext cx="1038907" cy="6300"/>
+            </a:xfrm>
+            <a:prstGeom prst="straightConnector1">
+              <a:avLst/>
+            </a:prstGeom>
+            <a:noFill/>
+            <a:ln w="9525">
+              <a:solidFill>
+                <a:srgbClr val="000000"/>
+              </a:solidFill>
+              <a:prstDash val="lgDash"/>
+              <a:round/>
+              <a:headEnd/>
+              <a:tailEnd/>
+            </a:ln>
+            <a:extLst>
+              <a:ext uri="{909E8E84-426E-40DD-AFC4-6F175D3DCCD1}">
+                <a14:hiddenFill xmlns:a14="http://schemas.microsoft.com/office/drawing/2010/main">
+                  <a:noFill/>
+                </a14:hiddenFill>
+              </a:ext>
+            </a:extLst>
+          </p:spPr>
+        </p:cxnSp>
+        <p:cxnSp>
+          <p:nvCxnSpPr>
+            <p:cNvPr id="29" name="AutoShape 843">
+              <a:extLst>
+                <a:ext uri="{FF2B5EF4-FFF2-40B4-BE49-F238E27FC236}">
+                  <a16:creationId xmlns:a16="http://schemas.microsoft.com/office/drawing/2014/main" id="{D213AD68-1D1F-7442-9291-88EA15B0DAA8}"/>
+                </a:ext>
+              </a:extLst>
+            </p:cNvPr>
+            <p:cNvCxnSpPr>
+              <a:cxnSpLocks noRot="1" noChangeAspect="1" noEditPoints="1" noChangeArrowheads="1" noChangeShapeType="1"/>
+            </p:cNvCxnSpPr>
+            <p:nvPr/>
+          </p:nvCxnSpPr>
+          <p:spPr bwMode="auto">
+            <a:xfrm>
+              <a:off x="3592825" y="3629637"/>
+              <a:ext cx="600" cy="405804"/>
+            </a:xfrm>
+            <a:prstGeom prst="straightConnector1">
+              <a:avLst/>
+            </a:prstGeom>
+            <a:noFill/>
+            <a:ln w="9525">
+              <a:solidFill>
+                <a:srgbClr val="000000"/>
+              </a:solidFill>
+              <a:round/>
+              <a:headEnd/>
+              <a:tailEnd type="triangle" w="med" len="med"/>
+            </a:ln>
+            <a:extLst>
+              <a:ext uri="{909E8E84-426E-40DD-AFC4-6F175D3DCCD1}">
+                <a14:hiddenFill xmlns:a14="http://schemas.microsoft.com/office/drawing/2010/main">
+                  <a:noFill/>
+                </a14:hiddenFill>
+              </a:ext>
+            </a:extLst>
+          </p:spPr>
+        </p:cxnSp>
+        <p:cxnSp>
+          <p:nvCxnSpPr>
+            <p:cNvPr id="30" name="AutoShape 844">
+              <a:extLst>
+                <a:ext uri="{FF2B5EF4-FFF2-40B4-BE49-F238E27FC236}">
+                  <a16:creationId xmlns:a16="http://schemas.microsoft.com/office/drawing/2014/main" id="{65C104D1-53A6-AD43-AF68-824BC42642C3}"/>
+                </a:ext>
+              </a:extLst>
+            </p:cNvPr>
+            <p:cNvCxnSpPr>
+              <a:cxnSpLocks noRot="1" noChangeAspect="1" noEditPoints="1" noChangeArrowheads="1" noChangeShapeType="1"/>
+            </p:cNvCxnSpPr>
+            <p:nvPr/>
+          </p:nvCxnSpPr>
+          <p:spPr bwMode="auto">
+            <a:xfrm>
+              <a:off x="3569325" y="575906"/>
+              <a:ext cx="600" cy="1468115"/>
+            </a:xfrm>
+            <a:prstGeom prst="straightConnector1">
+              <a:avLst/>
+            </a:prstGeom>
+            <a:noFill/>
+            <a:ln w="9525">
+              <a:solidFill>
+                <a:srgbClr val="000000"/>
+              </a:solidFill>
+              <a:round/>
+              <a:headEnd/>
+              <a:tailEnd type="triangle" w="med" len="med"/>
+            </a:ln>
+            <a:extLst>
+              <a:ext uri="{909E8E84-426E-40DD-AFC4-6F175D3DCCD1}">
+                <a14:hiddenFill xmlns:a14="http://schemas.microsoft.com/office/drawing/2010/main">
+                  <a:noFill/>
+                </a14:hiddenFill>
+              </a:ext>
+            </a:extLst>
+          </p:spPr>
+        </p:cxnSp>
+        <p:sp>
+          <p:nvSpPr>
+            <p:cNvPr id="31" name="AutoShape 845">
+              <a:extLst>
+                <a:ext uri="{FF2B5EF4-FFF2-40B4-BE49-F238E27FC236}">
+                  <a16:creationId xmlns:a16="http://schemas.microsoft.com/office/drawing/2014/main" id="{72EB2D96-D470-D745-B7C0-A0000C0D3A72}"/>
+                </a:ext>
+              </a:extLst>
+            </p:cNvPr>
+            <p:cNvSpPr>
+              <a:spLocks noRot="1" noChangeAspect="1" noEditPoints="1" noChangeArrowheads="1" noChangeShapeType="1" noTextEdit="1"/>
+            </p:cNvSpPr>
+            <p:nvPr/>
+          </p:nvSpPr>
+          <p:spPr bwMode="auto">
+            <a:xfrm>
+              <a:off x="1496010" y="4703447"/>
+              <a:ext cx="756305" cy="337203"/>
+            </a:xfrm>
+            <a:prstGeom prst="downArrow">
+              <a:avLst>
+                <a:gd name="adj1" fmla="val 56528"/>
+                <a:gd name="adj2" fmla="val 53995"/>
+              </a:avLst>
+            </a:prstGeom>
+            <a:solidFill>
+              <a:srgbClr val="FFFFFF"/>
+            </a:solidFill>
+            <a:ln w="9525">
+              <a:solidFill>
+                <a:srgbClr val="000000"/>
+              </a:solidFill>
+              <a:prstDash val="dash"/>
+              <a:miter lim="800000"/>
+              <a:headEnd/>
+              <a:tailEnd/>
+            </a:ln>
+          </p:spPr>
+          <p:txBody>
+            <a:bodyPr rot="0" vert="eaVert" wrap="square" lIns="91440" tIns="45720" rIns="91440" bIns="45720" anchor="t" anchorCtr="0" upright="1">
+              <a:noAutofit/>
+            </a:bodyPr>
+            <a:lstStyle/>
+            <a:p>
+              <a:endParaRPr lang="zh-CN" altLang="en-US"/>
+            </a:p>
+          </p:txBody>
+        </p:sp>
+        <p:sp>
+          <p:nvSpPr>
+            <p:cNvPr id="32" name="Rectangle 846">
+              <a:extLst>
+                <a:ext uri="{FF2B5EF4-FFF2-40B4-BE49-F238E27FC236}">
+                  <a16:creationId xmlns:a16="http://schemas.microsoft.com/office/drawing/2014/main" id="{776FF7AF-92B2-CD4A-9317-1632E797F837}"/>
+                </a:ext>
+              </a:extLst>
+            </p:cNvPr>
+            <p:cNvSpPr>
+              <a:spLocks noRot="1" noChangeAspect="1" noEditPoints="1" noChangeArrowheads="1" noChangeShapeType="1" noTextEdit="1"/>
+            </p:cNvSpPr>
+            <p:nvPr/>
+          </p:nvSpPr>
+          <p:spPr bwMode="auto">
+            <a:xfrm>
+              <a:off x="3429624" y="325703"/>
+              <a:ext cx="373403" cy="263503"/>
+            </a:xfrm>
+            <a:prstGeom prst="rect">
+              <a:avLst/>
+            </a:prstGeom>
+            <a:solidFill>
+              <a:srgbClr val="FFFFFF"/>
+            </a:solidFill>
+            <a:ln>
+              <a:noFill/>
+            </a:ln>
+            <a:extLst>
+              <a:ext uri="{91240B29-F687-4F45-9708-019B960494DF}">
+                <a14:hiddenLine xmlns:a14="http://schemas.microsoft.com/office/drawing/2010/main" w="9525">
+                  <a:solidFill>
+                    <a:srgbClr val="000000"/>
+                  </a:solidFill>
+                  <a:miter lim="800000"/>
+                  <a:headEnd/>
+                  <a:tailEnd/>
+                </a14:hiddenLine>
+              </a:ext>
+            </a:extLst>
+          </p:spPr>
+          <p:txBody>
+            <a:bodyPr rot="0" vert="horz" wrap="square" lIns="91440" tIns="45720" rIns="91440" bIns="45720" anchor="t" anchorCtr="0" upright="1">
+              <a:noAutofit/>
+            </a:bodyPr>
+            <a:lstStyle/>
+            <a:p>
+              <a:pPr>
+                <a:lnSpc>
+                  <a:spcPct val="115000"/>
+                </a:lnSpc>
+                <a:spcAft>
+                  <a:spcPts val="1000"/>
+                </a:spcAft>
+              </a:pPr>
+              <a:r>
+                <a:rPr lang="en-US" sz="1100" i="1" dirty="0">
+                  <a:effectLst/>
+                  <a:latin typeface="Calibri" panose="020F0502020204030204" pitchFamily="34" charset="0"/>
+                  <a:ea typeface="宋体" panose="02010600030101010101" pitchFamily="2" charset="-122"/>
+                  <a:cs typeface="Times New Roman" panose="02020603050405020304" pitchFamily="18" charset="0"/>
+                </a:rPr>
+                <a:t>t</a:t>
+              </a:r>
+              <a:r>
+                <a:rPr lang="en-US" altLang="zh-CN" sz="1100" i="1" baseline="-25000" dirty="0">
+                  <a:effectLst/>
+                  <a:latin typeface="Calibri" panose="020F0502020204030204" pitchFamily="34" charset="0"/>
+                  <a:ea typeface="宋体" panose="02010600030101010101" pitchFamily="2" charset="-122"/>
+                  <a:cs typeface="Times New Roman" panose="02020603050405020304" pitchFamily="18" charset="0"/>
+                </a:rPr>
+                <a:t>1</a:t>
+              </a:r>
+              <a:endParaRPr lang="zh-CN" sz="1100" i="1" dirty="0">
+                <a:effectLst/>
+                <a:latin typeface="Calibri" panose="020F0502020204030204" pitchFamily="34" charset="0"/>
+                <a:ea typeface="宋体" panose="02010600030101010101" pitchFamily="2" charset="-122"/>
+                <a:cs typeface="Times New Roman" panose="02020603050405020304" pitchFamily="18" charset="0"/>
+              </a:endParaRPr>
+            </a:p>
+          </p:txBody>
+        </p:sp>
+        <p:sp>
+          <p:nvSpPr>
+            <p:cNvPr id="33" name="Rectangle 847">
+              <a:extLst>
+                <a:ext uri="{FF2B5EF4-FFF2-40B4-BE49-F238E27FC236}">
+                  <a16:creationId xmlns:a16="http://schemas.microsoft.com/office/drawing/2014/main" id="{2F2C3A8E-121C-C540-B88B-16FFB16C6FEE}"/>
+                </a:ext>
+              </a:extLst>
+            </p:cNvPr>
+            <p:cNvSpPr>
+              <a:spLocks noRot="1" noChangeAspect="1" noEditPoints="1" noChangeArrowheads="1" noChangeShapeType="1" noTextEdit="1"/>
+            </p:cNvSpPr>
+            <p:nvPr/>
+          </p:nvSpPr>
+          <p:spPr bwMode="auto">
+            <a:xfrm>
+              <a:off x="3396623" y="3552836"/>
+              <a:ext cx="373303" cy="263503"/>
+            </a:xfrm>
+            <a:prstGeom prst="rect">
+              <a:avLst/>
+            </a:prstGeom>
+            <a:solidFill>
+              <a:srgbClr val="FFFFFF"/>
+            </a:solidFill>
+            <a:ln>
+              <a:noFill/>
+            </a:ln>
+            <a:extLst>
+              <a:ext uri="{91240B29-F687-4F45-9708-019B960494DF}">
+                <a14:hiddenLine xmlns:a14="http://schemas.microsoft.com/office/drawing/2010/main" w="9525">
+                  <a:solidFill>
+                    <a:srgbClr val="000000"/>
+                  </a:solidFill>
+                  <a:miter lim="800000"/>
+                  <a:headEnd/>
+                  <a:tailEnd/>
+                </a14:hiddenLine>
+              </a:ext>
+            </a:extLst>
+          </p:spPr>
+          <p:txBody>
+            <a:bodyPr rot="0" vert="horz" wrap="square" lIns="91440" tIns="45720" rIns="91440" bIns="45720" anchor="t" anchorCtr="0" upright="1">
+              <a:noAutofit/>
+            </a:bodyPr>
+            <a:lstStyle/>
+            <a:p>
+              <a:pPr>
+                <a:lnSpc>
+                  <a:spcPct val="115000"/>
+                </a:lnSpc>
+                <a:spcAft>
+                  <a:spcPts val="1000"/>
+                </a:spcAft>
+              </a:pPr>
+              <a:r>
+                <a:rPr lang="zh-CN" altLang="en-US" sz="1100" i="1" dirty="0">
+                  <a:latin typeface="Calibri" panose="020F0502020204030204" pitchFamily="34" charset="0"/>
+                  <a:ea typeface="宋体" panose="02010600030101010101" pitchFamily="2" charset="-122"/>
+                  <a:cs typeface="Times New Roman" panose="02020603050405020304" pitchFamily="18" charset="0"/>
+                </a:rPr>
+                <a:t>  </a:t>
+              </a:r>
+              <a:r>
+                <a:rPr lang="en-US" altLang="zh-CN" sz="1100" i="1" dirty="0">
+                  <a:latin typeface="Calibri" panose="020F0502020204030204" pitchFamily="34" charset="0"/>
+                  <a:ea typeface="宋体" panose="02010600030101010101" pitchFamily="2" charset="-122"/>
+                  <a:cs typeface="Times New Roman" panose="02020603050405020304" pitchFamily="18" charset="0"/>
+                </a:rPr>
+                <a:t>t</a:t>
+              </a:r>
+              <a:r>
+                <a:rPr lang="en-US" altLang="zh-CN" sz="1100" i="1" baseline="-25000" dirty="0">
+                  <a:effectLst/>
+                  <a:latin typeface="Calibri" panose="020F0502020204030204" pitchFamily="34" charset="0"/>
+                  <a:ea typeface="宋体" panose="02010600030101010101" pitchFamily="2" charset="-122"/>
+                  <a:cs typeface="Times New Roman" panose="02020603050405020304" pitchFamily="18" charset="0"/>
+                </a:rPr>
+                <a:t>2</a:t>
+              </a:r>
+              <a:endParaRPr lang="zh-CN" sz="1100" i="1" dirty="0">
+                <a:effectLst/>
+                <a:latin typeface="Calibri" panose="020F0502020204030204" pitchFamily="34" charset="0"/>
+                <a:ea typeface="宋体" panose="02010600030101010101" pitchFamily="2" charset="-122"/>
+                <a:cs typeface="Times New Roman" panose="02020603050405020304" pitchFamily="18" charset="0"/>
+              </a:endParaRPr>
+            </a:p>
+          </p:txBody>
+        </p:sp>
+        <p:sp>
+          <p:nvSpPr>
+            <p:cNvPr id="34" name="AutoShape 848">
+              <a:extLst>
+                <a:ext uri="{FF2B5EF4-FFF2-40B4-BE49-F238E27FC236}">
+                  <a16:creationId xmlns:a16="http://schemas.microsoft.com/office/drawing/2014/main" id="{12634545-1D34-844E-80FD-146C29A2CCC7}"/>
+                </a:ext>
+              </a:extLst>
+            </p:cNvPr>
+            <p:cNvSpPr>
+              <a:spLocks noRot="1" noChangeAspect="1" noEditPoints="1" noChangeArrowheads="1" noChangeShapeType="1" noTextEdit="1"/>
+            </p:cNvSpPr>
+            <p:nvPr/>
+          </p:nvSpPr>
+          <p:spPr bwMode="auto">
+            <a:xfrm>
+              <a:off x="2577418" y="4081141"/>
+              <a:ext cx="268602" cy="539105"/>
+            </a:xfrm>
+            <a:prstGeom prst="curvedLeftArrow">
+              <a:avLst>
+                <a:gd name="adj1" fmla="val 40141"/>
+                <a:gd name="adj2" fmla="val 80283"/>
+                <a:gd name="adj3" fmla="val 33333"/>
+              </a:avLst>
+            </a:prstGeom>
+            <a:noFill/>
+            <a:ln w="9525">
+              <a:solidFill>
+                <a:srgbClr val="000000"/>
+              </a:solidFill>
+              <a:miter lim="800000"/>
+              <a:headEnd/>
+              <a:tailEnd/>
+            </a:ln>
+            <a:extLst>
+              <a:ext uri="{909E8E84-426E-40DD-AFC4-6F175D3DCCD1}">
+                <a14:hiddenFill xmlns:a14="http://schemas.microsoft.com/office/drawing/2010/main">
+                  <a:solidFill>
+                    <a:schemeClr val="bg1">
+                      <a:lumMod val="100000"/>
+                      <a:lumOff val="0"/>
+                    </a:schemeClr>
+                  </a:solidFill>
+                </a14:hiddenFill>
+              </a:ext>
+            </a:extLst>
+          </p:spPr>
+          <p:txBody>
+            <a:bodyPr rot="0" vert="horz" wrap="square" lIns="91440" tIns="45720" rIns="91440" bIns="45720" anchor="t" anchorCtr="0" upright="1">
+              <a:noAutofit/>
+            </a:bodyPr>
+            <a:lstStyle/>
+            <a:p>
+              <a:endParaRPr lang="zh-CN" altLang="en-US"/>
+            </a:p>
+          </p:txBody>
+        </p:sp>
+        <p:cxnSp>
+          <p:nvCxnSpPr>
+            <p:cNvPr id="35" name="AutoShape 849">
+              <a:extLst>
+                <a:ext uri="{FF2B5EF4-FFF2-40B4-BE49-F238E27FC236}">
+                  <a16:creationId xmlns:a16="http://schemas.microsoft.com/office/drawing/2014/main" id="{4786B8B6-A32D-0D45-9D8A-B2716D57D86E}"/>
+                </a:ext>
+              </a:extLst>
+            </p:cNvPr>
+            <p:cNvCxnSpPr>
+              <a:cxnSpLocks noRot="1" noChangeAspect="1" noEditPoints="1" noChangeArrowheads="1" noChangeShapeType="1"/>
+            </p:cNvCxnSpPr>
+            <p:nvPr/>
+          </p:nvCxnSpPr>
+          <p:spPr bwMode="auto">
+            <a:xfrm>
+              <a:off x="3063821" y="4703447"/>
+              <a:ext cx="1157008" cy="600"/>
+            </a:xfrm>
+            <a:prstGeom prst="straightConnector1">
+              <a:avLst/>
+            </a:prstGeom>
+            <a:noFill/>
+            <a:ln w="9525">
+              <a:solidFill>
+                <a:srgbClr val="000000"/>
+              </a:solidFill>
+              <a:prstDash val="lgDash"/>
+              <a:round/>
+              <a:headEnd/>
+              <a:tailEnd/>
+            </a:ln>
+            <a:extLst>
+              <a:ext uri="{909E8E84-426E-40DD-AFC4-6F175D3DCCD1}">
+                <a14:hiddenFill xmlns:a14="http://schemas.microsoft.com/office/drawing/2010/main">
+                  <a:noFill/>
+                </a14:hiddenFill>
+              </a:ext>
+            </a:extLst>
+          </p:spPr>
+        </p:cxnSp>
+        <p:cxnSp>
+          <p:nvCxnSpPr>
+            <p:cNvPr id="36" name="AutoShape 850">
+              <a:extLst>
+                <a:ext uri="{FF2B5EF4-FFF2-40B4-BE49-F238E27FC236}">
+                  <a16:creationId xmlns:a16="http://schemas.microsoft.com/office/drawing/2014/main" id="{963EDEBD-6D65-5F42-B598-D4CFA67C1FF0}"/>
+                </a:ext>
+              </a:extLst>
+            </p:cNvPr>
+            <p:cNvCxnSpPr>
+              <a:cxnSpLocks noRot="1" noChangeAspect="1" noEditPoints="1" noChangeArrowheads="1" noChangeShapeType="1"/>
+            </p:cNvCxnSpPr>
+            <p:nvPr/>
+          </p:nvCxnSpPr>
+          <p:spPr bwMode="auto">
+            <a:xfrm>
+              <a:off x="3590225" y="4148442"/>
+              <a:ext cx="700" cy="404504"/>
+            </a:xfrm>
+            <a:prstGeom prst="straightConnector1">
+              <a:avLst/>
+            </a:prstGeom>
+            <a:noFill/>
+            <a:ln w="9525">
+              <a:solidFill>
+                <a:srgbClr val="000000"/>
+              </a:solidFill>
+              <a:round/>
+              <a:headEnd/>
+              <a:tailEnd type="triangle" w="med" len="med"/>
+            </a:ln>
+            <a:extLst>
+              <a:ext uri="{909E8E84-426E-40DD-AFC4-6F175D3DCCD1}">
+                <a14:hiddenFill xmlns:a14="http://schemas.microsoft.com/office/drawing/2010/main">
+                  <a:noFill/>
+                </a14:hiddenFill>
+              </a:ext>
+            </a:extLst>
+          </p:spPr>
+        </p:cxnSp>
+        <p:sp>
+          <p:nvSpPr>
+            <p:cNvPr id="37" name="Rectangle 851">
+              <a:extLst>
+                <a:ext uri="{FF2B5EF4-FFF2-40B4-BE49-F238E27FC236}">
+                  <a16:creationId xmlns:a16="http://schemas.microsoft.com/office/drawing/2014/main" id="{DC61767E-536F-6F46-A7A2-5020FBEABD36}"/>
+                </a:ext>
+              </a:extLst>
+            </p:cNvPr>
+            <p:cNvSpPr>
+              <a:spLocks noRot="1" noChangeAspect="1" noEditPoints="1" noChangeArrowheads="1" noChangeShapeType="1" noTextEdit="1"/>
+            </p:cNvSpPr>
+            <p:nvPr/>
+          </p:nvSpPr>
+          <p:spPr bwMode="auto">
+            <a:xfrm>
+              <a:off x="3429624" y="4528846"/>
+              <a:ext cx="384203" cy="361904"/>
+            </a:xfrm>
+            <a:prstGeom prst="rect">
+              <a:avLst/>
+            </a:prstGeom>
+            <a:solidFill>
+              <a:srgbClr val="FFFFFF"/>
+            </a:solidFill>
+            <a:ln>
+              <a:noFill/>
+            </a:ln>
+            <a:extLst>
+              <a:ext uri="{91240B29-F687-4F45-9708-019B960494DF}">
+                <a14:hiddenLine xmlns:a14="http://schemas.microsoft.com/office/drawing/2010/main" w="9525">
+                  <a:solidFill>
+                    <a:srgbClr val="000000"/>
+                  </a:solidFill>
+                  <a:miter lim="800000"/>
+                  <a:headEnd/>
+                  <a:tailEnd/>
+                </a14:hiddenLine>
+              </a:ext>
+            </a:extLst>
+          </p:spPr>
+          <p:txBody>
+            <a:bodyPr rot="0" vert="horz" wrap="square" lIns="91440" tIns="45720" rIns="91440" bIns="45720" anchor="t" anchorCtr="0" upright="1">
+              <a:noAutofit/>
+            </a:bodyPr>
+            <a:lstStyle/>
+            <a:p>
+              <a:pPr>
+                <a:lnSpc>
+                  <a:spcPct val="115000"/>
+                </a:lnSpc>
+                <a:spcAft>
+                  <a:spcPts val="1000"/>
+                </a:spcAft>
+              </a:pPr>
+              <a:r>
+                <a:rPr lang="zh-CN" altLang="en-US" sz="1100" i="1" dirty="0">
+                  <a:latin typeface="Calibri" panose="020F0502020204030204" pitchFamily="34" charset="0"/>
+                  <a:ea typeface="宋体" panose="02010600030101010101" pitchFamily="2" charset="-122"/>
+                  <a:cs typeface="Times New Roman" panose="02020603050405020304" pitchFamily="18" charset="0"/>
+                </a:rPr>
+                <a:t> </a:t>
+              </a:r>
+              <a:r>
+                <a:rPr lang="en-US" altLang="zh-CN" sz="1100" i="1" dirty="0">
+                  <a:latin typeface="Calibri" panose="020F0502020204030204" pitchFamily="34" charset="0"/>
+                  <a:ea typeface="宋体" panose="02010600030101010101" pitchFamily="2" charset="-122"/>
+                  <a:cs typeface="Times New Roman" panose="02020603050405020304" pitchFamily="18" charset="0"/>
+                </a:rPr>
+                <a:t>t</a:t>
+              </a:r>
+              <a:r>
+                <a:rPr lang="en-US" altLang="zh-CN" sz="1100" i="1" baseline="-25000" dirty="0">
+                  <a:effectLst/>
+                  <a:latin typeface="Calibri" panose="020F0502020204030204" pitchFamily="34" charset="0"/>
+                  <a:ea typeface="宋体" panose="02010600030101010101" pitchFamily="2" charset="-122"/>
+                  <a:cs typeface="Times New Roman" panose="02020603050405020304" pitchFamily="18" charset="0"/>
+                </a:rPr>
+                <a:t>4</a:t>
+              </a:r>
+              <a:endParaRPr lang="zh-CN" sz="1100" i="1" dirty="0">
+                <a:effectLst/>
+                <a:latin typeface="Calibri" panose="020F0502020204030204" pitchFamily="34" charset="0"/>
+                <a:ea typeface="宋体" panose="02010600030101010101" pitchFamily="2" charset="-122"/>
+                <a:cs typeface="Times New Roman" panose="02020603050405020304" pitchFamily="18" charset="0"/>
+              </a:endParaRPr>
+            </a:p>
+          </p:txBody>
+        </p:sp>
+        <p:sp>
+          <p:nvSpPr>
+            <p:cNvPr id="38" name="Rectangle 852">
+              <a:extLst>
+                <a:ext uri="{FF2B5EF4-FFF2-40B4-BE49-F238E27FC236}">
+                  <a16:creationId xmlns:a16="http://schemas.microsoft.com/office/drawing/2014/main" id="{4BB47DC1-0CA8-FA4C-BCEC-83ACE0007EBE}"/>
+                </a:ext>
+              </a:extLst>
+            </p:cNvPr>
+            <p:cNvSpPr>
+              <a:spLocks noRot="1" noChangeAspect="1" noEditPoints="1" noChangeArrowheads="1" noChangeShapeType="1" noTextEdit="1"/>
+            </p:cNvSpPr>
+            <p:nvPr/>
+          </p:nvSpPr>
+          <p:spPr bwMode="auto">
+            <a:xfrm>
+              <a:off x="3063821" y="1791318"/>
+              <a:ext cx="438803" cy="314303"/>
+            </a:xfrm>
+            <a:prstGeom prst="rect">
+              <a:avLst/>
+            </a:prstGeom>
+            <a:solidFill>
+              <a:srgbClr val="FFFFFF"/>
+            </a:solidFill>
+            <a:ln>
+              <a:noFill/>
+            </a:ln>
+            <a:extLst>
+              <a:ext uri="{91240B29-F687-4F45-9708-019B960494DF}">
+                <a14:hiddenLine xmlns:a14="http://schemas.microsoft.com/office/drawing/2010/main" w="9525">
+                  <a:solidFill>
+                    <a:srgbClr val="000000"/>
+                  </a:solidFill>
+                  <a:miter lim="800000"/>
+                  <a:headEnd/>
+                  <a:tailEnd/>
+                </a14:hiddenLine>
+              </a:ext>
+            </a:extLst>
+          </p:spPr>
+          <p:txBody>
+            <a:bodyPr rot="0" vert="horz" wrap="square" lIns="91440" tIns="45720" rIns="91440" bIns="45720" anchor="t" anchorCtr="0" upright="1">
+              <a:noAutofit/>
+            </a:bodyPr>
+            <a:lstStyle/>
+            <a:p>
+              <a:pPr>
+                <a:lnSpc>
+                  <a:spcPct val="115000"/>
+                </a:lnSpc>
+                <a:spcAft>
+                  <a:spcPts val="1000"/>
+                </a:spcAft>
+              </a:pPr>
+              <a:r>
+                <a:rPr lang="en-US" sz="1200">
+                  <a:effectLst/>
+                  <a:latin typeface="Times New Roman" panose="02020603050405020304" pitchFamily="18" charset="0"/>
+                  <a:ea typeface="宋体" panose="02010600030101010101" pitchFamily="2" charset="-122"/>
+                  <a:cs typeface="Times New Roman" panose="02020603050405020304" pitchFamily="18" charset="0"/>
+                </a:rPr>
+                <a:t>III</a:t>
+              </a:r>
+              <a:endParaRPr lang="zh-CN" sz="1100">
+                <a:effectLst/>
+                <a:latin typeface="Calibri" panose="020F0502020204030204" pitchFamily="34" charset="0"/>
+                <a:ea typeface="宋体" panose="02010600030101010101" pitchFamily="2" charset="-122"/>
+                <a:cs typeface="Times New Roman" panose="02020603050405020304" pitchFamily="18" charset="0"/>
+              </a:endParaRPr>
+            </a:p>
+          </p:txBody>
+        </p:sp>
+        <p:cxnSp>
+          <p:nvCxnSpPr>
+            <p:cNvPr id="39" name="AutoShape 853">
+              <a:extLst>
+                <a:ext uri="{FF2B5EF4-FFF2-40B4-BE49-F238E27FC236}">
+                  <a16:creationId xmlns:a16="http://schemas.microsoft.com/office/drawing/2014/main" id="{5F8661C2-6436-C84C-B4C6-84B6643F55D0}"/>
+                </a:ext>
+              </a:extLst>
+            </p:cNvPr>
+            <p:cNvCxnSpPr>
+              <a:cxnSpLocks noRot="1" noChangeAspect="1" noEditPoints="1" noChangeArrowheads="1" noChangeShapeType="1"/>
+            </p:cNvCxnSpPr>
+            <p:nvPr/>
+          </p:nvCxnSpPr>
+          <p:spPr bwMode="auto">
+            <a:xfrm flipV="1">
+              <a:off x="255902" y="1974220"/>
+              <a:ext cx="437503" cy="600"/>
+            </a:xfrm>
+            <a:prstGeom prst="straightConnector1">
+              <a:avLst/>
+            </a:prstGeom>
+            <a:noFill/>
+            <a:ln w="9525">
+              <a:solidFill>
+                <a:srgbClr val="000000"/>
+              </a:solidFill>
+              <a:round/>
+              <a:headEnd/>
+              <a:tailEnd type="triangle" w="med" len="med"/>
+            </a:ln>
+            <a:extLst>
+              <a:ext uri="{909E8E84-426E-40DD-AFC4-6F175D3DCCD1}">
+                <a14:hiddenFill xmlns:a14="http://schemas.microsoft.com/office/drawing/2010/main">
+                  <a:noFill/>
+                </a14:hiddenFill>
+              </a:ext>
+            </a:extLst>
+          </p:spPr>
+        </p:cxnSp>
+        <p:cxnSp>
+          <p:nvCxnSpPr>
+            <p:cNvPr id="40" name="AutoShape 854">
+              <a:extLst>
+                <a:ext uri="{FF2B5EF4-FFF2-40B4-BE49-F238E27FC236}">
+                  <a16:creationId xmlns:a16="http://schemas.microsoft.com/office/drawing/2014/main" id="{B6497095-BC66-EE45-8A1F-5ACF12F7FC57}"/>
+                </a:ext>
+              </a:extLst>
+            </p:cNvPr>
+            <p:cNvCxnSpPr>
+              <a:cxnSpLocks noRot="1" noChangeAspect="1" noEditPoints="1" noChangeArrowheads="1" noChangeShapeType="1"/>
+            </p:cNvCxnSpPr>
+            <p:nvPr/>
+          </p:nvCxnSpPr>
+          <p:spPr bwMode="auto">
+            <a:xfrm>
+              <a:off x="253302" y="2589526"/>
+              <a:ext cx="700" cy="1831318"/>
+            </a:xfrm>
+            <a:prstGeom prst="straightConnector1">
+              <a:avLst/>
+            </a:prstGeom>
+            <a:noFill/>
+            <a:ln w="9525">
+              <a:solidFill>
+                <a:srgbClr val="000000"/>
+              </a:solidFill>
+              <a:round/>
+              <a:headEnd/>
+              <a:tailEnd/>
+            </a:ln>
+            <a:extLst>
+              <a:ext uri="{909E8E84-426E-40DD-AFC4-6F175D3DCCD1}">
+                <a14:hiddenFill xmlns:a14="http://schemas.microsoft.com/office/drawing/2010/main">
+                  <a:noFill/>
+                </a14:hiddenFill>
+              </a:ext>
+            </a:extLst>
+          </p:spPr>
+        </p:cxnSp>
+        <p:cxnSp>
+          <p:nvCxnSpPr>
+            <p:cNvPr id="41" name="AutoShape 855">
+              <a:extLst>
+                <a:ext uri="{FF2B5EF4-FFF2-40B4-BE49-F238E27FC236}">
+                  <a16:creationId xmlns:a16="http://schemas.microsoft.com/office/drawing/2014/main" id="{8CEBC4A3-3299-9D44-A37D-AFD6C4F0982A}"/>
+                </a:ext>
+              </a:extLst>
+            </p:cNvPr>
+            <p:cNvCxnSpPr>
+              <a:cxnSpLocks noRot="1" noChangeAspect="1" noEditPoints="1" noChangeArrowheads="1" noChangeShapeType="1"/>
+            </p:cNvCxnSpPr>
+            <p:nvPr/>
+          </p:nvCxnSpPr>
+          <p:spPr bwMode="auto">
+            <a:xfrm flipH="1">
+              <a:off x="255202" y="1974820"/>
+              <a:ext cx="700" cy="563206"/>
+            </a:xfrm>
+            <a:prstGeom prst="straightConnector1">
+              <a:avLst/>
+            </a:prstGeom>
+            <a:noFill/>
+            <a:ln w="9525">
+              <a:solidFill>
+                <a:srgbClr val="000000"/>
+              </a:solidFill>
+              <a:prstDash val="dashDot"/>
+              <a:round/>
+              <a:headEnd/>
+              <a:tailEnd/>
+            </a:ln>
+            <a:extLst>
+              <a:ext uri="{909E8E84-426E-40DD-AFC4-6F175D3DCCD1}">
+                <a14:hiddenFill xmlns:a14="http://schemas.microsoft.com/office/drawing/2010/main">
+                  <a:noFill/>
+                </a14:hiddenFill>
+              </a:ext>
+            </a:extLst>
+          </p:spPr>
+        </p:cxnSp>
+        <p:cxnSp>
+          <p:nvCxnSpPr>
+            <p:cNvPr id="42" name="AutoShape 856">
+              <a:extLst>
+                <a:ext uri="{FF2B5EF4-FFF2-40B4-BE49-F238E27FC236}">
+                  <a16:creationId xmlns:a16="http://schemas.microsoft.com/office/drawing/2014/main" id="{7BADFBB0-AD7C-DC40-8302-09BE9E174E55}"/>
+                </a:ext>
+              </a:extLst>
+            </p:cNvPr>
+            <p:cNvCxnSpPr>
+              <a:cxnSpLocks noRot="1" noChangeAspect="1" noEditPoints="1" noChangeArrowheads="1" noChangeShapeType="1"/>
+            </p:cNvCxnSpPr>
+            <p:nvPr/>
+          </p:nvCxnSpPr>
+          <p:spPr bwMode="auto">
+            <a:xfrm flipH="1">
+              <a:off x="513704" y="2127221"/>
+              <a:ext cx="428603" cy="600"/>
+            </a:xfrm>
+            <a:prstGeom prst="straightConnector1">
+              <a:avLst/>
+            </a:prstGeom>
+            <a:noFill/>
+            <a:ln w="9525">
+              <a:solidFill>
+                <a:srgbClr val="000000"/>
+              </a:solidFill>
+              <a:prstDash val="dashDot"/>
+              <a:round/>
+              <a:headEnd/>
+              <a:tailEnd/>
+            </a:ln>
+            <a:extLst>
+              <a:ext uri="{909E8E84-426E-40DD-AFC4-6F175D3DCCD1}">
+                <a14:hiddenFill xmlns:a14="http://schemas.microsoft.com/office/drawing/2010/main">
+                  <a:noFill/>
+                </a14:hiddenFill>
+              </a:ext>
+            </a:extLst>
+          </p:spPr>
+        </p:cxnSp>
+        <p:cxnSp>
+          <p:nvCxnSpPr>
+            <p:cNvPr id="43" name="AutoShape 857">
+              <a:extLst>
+                <a:ext uri="{FF2B5EF4-FFF2-40B4-BE49-F238E27FC236}">
+                  <a16:creationId xmlns:a16="http://schemas.microsoft.com/office/drawing/2014/main" id="{37EFD26D-CD5B-334B-9A70-BCAE58B5F6A3}"/>
+                </a:ext>
+              </a:extLst>
+            </p:cNvPr>
+            <p:cNvCxnSpPr>
+              <a:cxnSpLocks noRot="1" noChangeAspect="1" noEditPoints="1" noChangeArrowheads="1" noChangeShapeType="1"/>
+            </p:cNvCxnSpPr>
+            <p:nvPr/>
+          </p:nvCxnSpPr>
+          <p:spPr bwMode="auto">
+            <a:xfrm flipH="1">
+              <a:off x="513004" y="2127221"/>
+              <a:ext cx="700" cy="400104"/>
+            </a:xfrm>
+            <a:prstGeom prst="straightConnector1">
+              <a:avLst/>
+            </a:prstGeom>
+            <a:noFill/>
+            <a:ln w="9525">
+              <a:solidFill>
+                <a:srgbClr val="000000"/>
+              </a:solidFill>
+              <a:prstDash val="dashDot"/>
+              <a:round/>
+              <a:headEnd/>
+              <a:tailEnd/>
+            </a:ln>
+            <a:extLst>
+              <a:ext uri="{909E8E84-426E-40DD-AFC4-6F175D3DCCD1}">
+                <a14:hiddenFill xmlns:a14="http://schemas.microsoft.com/office/drawing/2010/main">
+                  <a:noFill/>
+                </a14:hiddenFill>
+              </a:ext>
+            </a:extLst>
+          </p:spPr>
+        </p:cxnSp>
+        <p:cxnSp>
+          <p:nvCxnSpPr>
+            <p:cNvPr id="44" name="AutoShape 858">
+              <a:extLst>
+                <a:ext uri="{FF2B5EF4-FFF2-40B4-BE49-F238E27FC236}">
+                  <a16:creationId xmlns:a16="http://schemas.microsoft.com/office/drawing/2014/main" id="{7BF2AFDF-C239-0344-8EF4-FE52F047A7F5}"/>
+                </a:ext>
+              </a:extLst>
+            </p:cNvPr>
+            <p:cNvCxnSpPr>
+              <a:cxnSpLocks noRot="1" noChangeAspect="1" noEditPoints="1" noChangeArrowheads="1" noChangeShapeType="1"/>
+            </p:cNvCxnSpPr>
+            <p:nvPr/>
+          </p:nvCxnSpPr>
+          <p:spPr bwMode="auto">
+            <a:xfrm>
+              <a:off x="513004" y="2589526"/>
+              <a:ext cx="700" cy="1613516"/>
+            </a:xfrm>
+            <a:prstGeom prst="straightConnector1">
+              <a:avLst/>
+            </a:prstGeom>
+            <a:noFill/>
+            <a:ln w="9525">
+              <a:solidFill>
+                <a:srgbClr val="000000"/>
+              </a:solidFill>
+              <a:round/>
+              <a:headEnd/>
+              <a:tailEnd/>
+            </a:ln>
+            <a:extLst>
+              <a:ext uri="{909E8E84-426E-40DD-AFC4-6F175D3DCCD1}">
+                <a14:hiddenFill xmlns:a14="http://schemas.microsoft.com/office/drawing/2010/main">
+                  <a:noFill/>
+                </a14:hiddenFill>
+              </a:ext>
+            </a:extLst>
+          </p:spPr>
+        </p:cxnSp>
+        <p:cxnSp>
+          <p:nvCxnSpPr>
+            <p:cNvPr id="45" name="AutoShape 859">
+              <a:extLst>
+                <a:ext uri="{FF2B5EF4-FFF2-40B4-BE49-F238E27FC236}">
+                  <a16:creationId xmlns:a16="http://schemas.microsoft.com/office/drawing/2014/main" id="{77B96793-D286-5D4C-B9C9-CADDAF080E93}"/>
+                </a:ext>
+              </a:extLst>
+            </p:cNvPr>
+            <p:cNvCxnSpPr>
+              <a:cxnSpLocks noRot="1" noChangeAspect="1" noEditPoints="1" noChangeArrowheads="1" noChangeShapeType="1"/>
+            </p:cNvCxnSpPr>
+            <p:nvPr/>
+          </p:nvCxnSpPr>
+          <p:spPr bwMode="auto">
+            <a:xfrm>
+              <a:off x="521904" y="4202442"/>
+              <a:ext cx="607704" cy="600"/>
+            </a:xfrm>
+            <a:prstGeom prst="straightConnector1">
+              <a:avLst/>
+            </a:prstGeom>
+            <a:noFill/>
+            <a:ln w="9525">
+              <a:solidFill>
+                <a:srgbClr val="000000"/>
+              </a:solidFill>
+              <a:round/>
+              <a:headEnd/>
+              <a:tailEnd type="triangle" w="med" len="med"/>
+            </a:ln>
+            <a:extLst>
+              <a:ext uri="{909E8E84-426E-40DD-AFC4-6F175D3DCCD1}">
+                <a14:hiddenFill xmlns:a14="http://schemas.microsoft.com/office/drawing/2010/main">
+                  <a:noFill/>
+                </a14:hiddenFill>
+              </a:ext>
+            </a:extLst>
+          </p:spPr>
+        </p:cxnSp>
+        <p:sp>
+          <p:nvSpPr>
+            <p:cNvPr id="46" name="AutoShape 860">
+              <a:extLst>
+                <a:ext uri="{FF2B5EF4-FFF2-40B4-BE49-F238E27FC236}">
+                  <a16:creationId xmlns:a16="http://schemas.microsoft.com/office/drawing/2014/main" id="{053769A0-A565-E149-AC8E-AC8C04037632}"/>
+                </a:ext>
+              </a:extLst>
+            </p:cNvPr>
+            <p:cNvSpPr>
+              <a:spLocks noRot="1" noChangeAspect="1" noEditPoints="1" noChangeArrowheads="1" noChangeShapeType="1" noTextEdit="1"/>
+            </p:cNvSpPr>
+            <p:nvPr/>
+          </p:nvSpPr>
+          <p:spPr bwMode="auto">
+            <a:xfrm>
+              <a:off x="2811719" y="1735417"/>
+              <a:ext cx="268602" cy="539105"/>
+            </a:xfrm>
+            <a:prstGeom prst="curvedLeftArrow">
+              <a:avLst>
+                <a:gd name="adj1" fmla="val 40141"/>
+                <a:gd name="adj2" fmla="val 80283"/>
+                <a:gd name="adj3" fmla="val 33333"/>
+              </a:avLst>
+            </a:prstGeom>
+            <a:noFill/>
+            <a:ln w="9525">
+              <a:solidFill>
+                <a:srgbClr val="000000"/>
+              </a:solidFill>
+              <a:miter lim="800000"/>
+              <a:headEnd/>
+              <a:tailEnd/>
+            </a:ln>
+            <a:extLst>
+              <a:ext uri="{909E8E84-426E-40DD-AFC4-6F175D3DCCD1}">
+                <a14:hiddenFill xmlns:a14="http://schemas.microsoft.com/office/drawing/2010/main">
+                  <a:solidFill>
+                    <a:schemeClr val="bg1">
+                      <a:lumMod val="100000"/>
+                      <a:lumOff val="0"/>
+                    </a:schemeClr>
+                  </a:solidFill>
+                </a14:hiddenFill>
+              </a:ext>
+            </a:extLst>
+          </p:spPr>
+          <p:txBody>
+            <a:bodyPr rot="0" vert="horz" wrap="square" lIns="91440" tIns="45720" rIns="91440" bIns="45720" anchor="t" anchorCtr="0" upright="1">
+              <a:noAutofit/>
+            </a:bodyPr>
+            <a:lstStyle/>
+            <a:p>
+              <a:endParaRPr lang="zh-CN" altLang="en-US"/>
+            </a:p>
+          </p:txBody>
+        </p:sp>
+        <p:sp>
+          <p:nvSpPr>
+            <p:cNvPr id="47" name="Rectangle 861">
+              <a:extLst>
+                <a:ext uri="{FF2B5EF4-FFF2-40B4-BE49-F238E27FC236}">
+                  <a16:creationId xmlns:a16="http://schemas.microsoft.com/office/drawing/2014/main" id="{94A7F046-7452-2643-89A9-6719E2DC7810}"/>
+                </a:ext>
+              </a:extLst>
+            </p:cNvPr>
+            <p:cNvSpPr>
+              <a:spLocks noRot="1" noChangeAspect="1" noEditPoints="1" noChangeArrowheads="1" noChangeShapeType="1" noTextEdit="1"/>
+            </p:cNvSpPr>
+            <p:nvPr/>
+          </p:nvSpPr>
+          <p:spPr bwMode="auto">
+            <a:xfrm>
+              <a:off x="3160322" y="2701927"/>
+              <a:ext cx="989407" cy="579706"/>
+            </a:xfrm>
+            <a:prstGeom prst="rect">
+              <a:avLst/>
+            </a:prstGeom>
+            <a:solidFill>
+              <a:srgbClr val="FFFFFF"/>
+            </a:solidFill>
+            <a:ln>
+              <a:noFill/>
+            </a:ln>
+            <a:extLst>
+              <a:ext uri="{91240B29-F687-4F45-9708-019B960494DF}">
+                <a14:hiddenLine xmlns:a14="http://schemas.microsoft.com/office/drawing/2010/main" w="9525">
+                  <a:solidFill>
+                    <a:srgbClr val="000000"/>
+                  </a:solidFill>
+                  <a:miter lim="800000"/>
+                  <a:headEnd/>
+                  <a:tailEnd/>
+                </a14:hiddenLine>
+              </a:ext>
+            </a:extLst>
+          </p:spPr>
+          <p:txBody>
+            <a:bodyPr rot="0" vert="horz" wrap="square" lIns="91440" tIns="45720" rIns="91440" bIns="45720" anchor="t" anchorCtr="0" upright="1">
+              <a:noAutofit/>
+            </a:bodyPr>
+            <a:lstStyle/>
+            <a:p>
+              <a:pPr>
+                <a:lnSpc>
+                  <a:spcPct val="115000"/>
+                </a:lnSpc>
+                <a:spcAft>
+                  <a:spcPts val="1000"/>
+                </a:spcAft>
+              </a:pPr>
+              <a:r>
+                <a:rPr lang="zh-CN" sz="1100" dirty="0">
+                  <a:effectLst/>
+                  <a:latin typeface="Calibri" panose="020F0502020204030204" pitchFamily="34" charset="0"/>
+                  <a:ea typeface="Times New Roman" panose="02020603050405020304" pitchFamily="18" charset="0"/>
+                  <a:cs typeface="Times New Roman" panose="02020603050405020304" pitchFamily="18" charset="0"/>
+                </a:rPr>
+                <a:t> </a:t>
+              </a:r>
+              <a:r>
+                <a:rPr lang="zh-CN" sz="1100" dirty="0">
+                  <a:effectLst/>
+                  <a:latin typeface="Times New Roman" panose="02020603050405020304" pitchFamily="18" charset="0"/>
+                  <a:ea typeface="宋体" panose="02010600030101010101" pitchFamily="2" charset="-122"/>
+                  <a:cs typeface="Times New Roman" panose="02020603050405020304" pitchFamily="18" charset="0"/>
+                </a:rPr>
+                <a:t>台上时间</a:t>
+              </a:r>
+              <a:endParaRPr lang="zh-CN" sz="1100" dirty="0">
+                <a:effectLst/>
+                <a:latin typeface="Calibri" panose="020F0502020204030204" pitchFamily="34" charset="0"/>
+                <a:ea typeface="宋体" panose="02010600030101010101" pitchFamily="2" charset="-122"/>
+                <a:cs typeface="Times New Roman" panose="02020603050405020304" pitchFamily="18" charset="0"/>
+              </a:endParaRPr>
+            </a:p>
+            <a:p>
+              <a:pPr algn="ctr">
+                <a:lnSpc>
+                  <a:spcPct val="115000"/>
+                </a:lnSpc>
+                <a:spcAft>
+                  <a:spcPts val="1000"/>
+                </a:spcAft>
+              </a:pPr>
+              <a:r>
+                <a:rPr lang="en-US" sz="1100" i="1" dirty="0" err="1">
+                  <a:effectLst/>
+                  <a:latin typeface="Times New Roman" panose="02020603050405020304" pitchFamily="18" charset="0"/>
+                  <a:ea typeface="宋体" panose="02010600030101010101" pitchFamily="2" charset="-122"/>
+                  <a:cs typeface="Times New Roman" panose="02020603050405020304" pitchFamily="18" charset="0"/>
+                </a:rPr>
+                <a:t>O</a:t>
+              </a:r>
+              <a:r>
+                <a:rPr lang="en-US" altLang="zh-CN" sz="1100" i="1" baseline="-25000" dirty="0" err="1">
+                  <a:effectLst/>
+                  <a:latin typeface="Times New Roman" panose="02020603050405020304" pitchFamily="18" charset="0"/>
+                  <a:ea typeface="宋体" panose="02010600030101010101" pitchFamily="2" charset="-122"/>
+                  <a:cs typeface="Times New Roman" panose="02020603050405020304" pitchFamily="18" charset="0"/>
+                </a:rPr>
+                <a:t>t</a:t>
+              </a:r>
+              <a:r>
+                <a:rPr lang="en-US" sz="1100" i="1" dirty="0">
+                  <a:effectLst/>
+                  <a:latin typeface="Times New Roman" panose="02020603050405020304" pitchFamily="18" charset="0"/>
+                  <a:ea typeface="宋体" panose="02010600030101010101" pitchFamily="2" charset="-122"/>
+                  <a:cs typeface="Times New Roman" panose="02020603050405020304" pitchFamily="18" charset="0"/>
+                </a:rPr>
+                <a:t> = t</a:t>
+              </a:r>
+              <a:r>
+                <a:rPr lang="en-US" altLang="zh-CN" sz="1100" i="1" baseline="-25000" dirty="0">
+                  <a:effectLst/>
+                  <a:latin typeface="Times New Roman" panose="02020603050405020304" pitchFamily="18" charset="0"/>
+                  <a:ea typeface="宋体" panose="02010600030101010101" pitchFamily="2" charset="-122"/>
+                  <a:cs typeface="Times New Roman" panose="02020603050405020304" pitchFamily="18" charset="0"/>
+                </a:rPr>
+                <a:t>2</a:t>
+              </a:r>
+              <a:r>
+                <a:rPr lang="en-US" sz="1100" i="1" dirty="0">
+                  <a:effectLst/>
+                  <a:latin typeface="Times New Roman" panose="02020603050405020304" pitchFamily="18" charset="0"/>
+                  <a:ea typeface="宋体" panose="02010600030101010101" pitchFamily="2" charset="-122"/>
+                  <a:cs typeface="Times New Roman" panose="02020603050405020304" pitchFamily="18" charset="0"/>
+                </a:rPr>
+                <a:t>-P</a:t>
+              </a:r>
+              <a:r>
+                <a:rPr lang="en-US" altLang="zh-CN" sz="1100" i="1" baseline="-25000" dirty="0">
+                  <a:effectLst/>
+                  <a:latin typeface="Times New Roman" panose="02020603050405020304" pitchFamily="18" charset="0"/>
+                  <a:ea typeface="宋体" panose="02010600030101010101" pitchFamily="2" charset="-122"/>
+                  <a:cs typeface="Times New Roman" panose="02020603050405020304" pitchFamily="18" charset="0"/>
+                </a:rPr>
+                <a:t>t</a:t>
+              </a:r>
+              <a:endParaRPr lang="zh-CN" sz="1100" i="1" dirty="0">
+                <a:effectLst/>
+                <a:latin typeface="Calibri" panose="020F0502020204030204" pitchFamily="34" charset="0"/>
+                <a:ea typeface="宋体" panose="02010600030101010101" pitchFamily="2" charset="-122"/>
+                <a:cs typeface="Times New Roman" panose="02020603050405020304" pitchFamily="18" charset="0"/>
+              </a:endParaRPr>
+            </a:p>
+            <a:p>
+              <a:pPr>
+                <a:lnSpc>
+                  <a:spcPct val="115000"/>
+                </a:lnSpc>
+                <a:spcAft>
+                  <a:spcPts val="1000"/>
+                </a:spcAft>
+              </a:pPr>
+              <a:r>
+                <a:rPr lang="en-US" sz="1100" dirty="0">
+                  <a:effectLst/>
+                  <a:latin typeface="Calibri" panose="020F0502020204030204" pitchFamily="34" charset="0"/>
+                  <a:ea typeface="宋体" panose="02010600030101010101" pitchFamily="2" charset="-122"/>
+                  <a:cs typeface="Times New Roman" panose="02020603050405020304" pitchFamily="18" charset="0"/>
+                </a:rPr>
+                <a:t> </a:t>
+              </a:r>
+              <a:endParaRPr lang="zh-CN" sz="1100" dirty="0">
+                <a:effectLst/>
+                <a:latin typeface="Calibri" panose="020F0502020204030204" pitchFamily="34" charset="0"/>
+                <a:ea typeface="宋体" panose="02010600030101010101" pitchFamily="2" charset="-122"/>
+                <a:cs typeface="Times New Roman" panose="02020603050405020304" pitchFamily="18" charset="0"/>
+              </a:endParaRPr>
+            </a:p>
+          </p:txBody>
+        </p:sp>
+        <p:sp>
+          <p:nvSpPr>
+            <p:cNvPr id="48" name="Rectangle 862">
+              <a:extLst>
+                <a:ext uri="{FF2B5EF4-FFF2-40B4-BE49-F238E27FC236}">
+                  <a16:creationId xmlns:a16="http://schemas.microsoft.com/office/drawing/2014/main" id="{66D4226B-036A-5D49-A0A1-BE9769988DAA}"/>
+                </a:ext>
+              </a:extLst>
+            </p:cNvPr>
+            <p:cNvSpPr>
+              <a:spLocks noRot="1" noChangeAspect="1" noEditPoints="1" noChangeArrowheads="1" noChangeShapeType="1" noTextEdit="1"/>
+            </p:cNvSpPr>
+            <p:nvPr/>
+          </p:nvSpPr>
+          <p:spPr bwMode="auto">
+            <a:xfrm>
+              <a:off x="3440424" y="4045541"/>
+              <a:ext cx="373403" cy="263603"/>
+            </a:xfrm>
+            <a:prstGeom prst="rect">
+              <a:avLst/>
+            </a:prstGeom>
+            <a:solidFill>
+              <a:srgbClr val="FFFFFF"/>
+            </a:solidFill>
+            <a:ln>
+              <a:noFill/>
+            </a:ln>
+            <a:extLst>
+              <a:ext uri="{91240B29-F687-4F45-9708-019B960494DF}">
+                <a14:hiddenLine xmlns:a14="http://schemas.microsoft.com/office/drawing/2010/main" w="9525">
+                  <a:solidFill>
+                    <a:srgbClr val="000000"/>
+                  </a:solidFill>
+                  <a:miter lim="800000"/>
+                  <a:headEnd/>
+                  <a:tailEnd/>
+                </a14:hiddenLine>
+              </a:ext>
+            </a:extLst>
+          </p:spPr>
+          <p:txBody>
+            <a:bodyPr rot="0" vert="horz" wrap="square" lIns="91440" tIns="45720" rIns="91440" bIns="45720" anchor="t" anchorCtr="0" upright="1">
+              <a:noAutofit/>
+            </a:bodyPr>
+            <a:lstStyle/>
+            <a:p>
+              <a:pPr>
+                <a:lnSpc>
+                  <a:spcPct val="115000"/>
+                </a:lnSpc>
+                <a:spcAft>
+                  <a:spcPts val="1000"/>
+                </a:spcAft>
+              </a:pPr>
+              <a:r>
+                <a:rPr lang="en-US" sz="1100" i="1" dirty="0">
+                  <a:effectLst/>
+                  <a:latin typeface="Calibri" panose="020F0502020204030204" pitchFamily="34" charset="0"/>
+                  <a:ea typeface="宋体" panose="02010600030101010101" pitchFamily="2" charset="-122"/>
+                  <a:cs typeface="Times New Roman" panose="02020603050405020304" pitchFamily="18" charset="0"/>
+                </a:rPr>
+                <a:t>t</a:t>
+              </a:r>
+              <a:r>
+                <a:rPr lang="en-US" altLang="zh-CN" sz="1100" i="1" baseline="-25000" dirty="0">
+                  <a:effectLst/>
+                  <a:latin typeface="Calibri" panose="020F0502020204030204" pitchFamily="34" charset="0"/>
+                  <a:ea typeface="宋体" panose="02010600030101010101" pitchFamily="2" charset="-122"/>
+                  <a:cs typeface="Times New Roman" panose="02020603050405020304" pitchFamily="18" charset="0"/>
+                </a:rPr>
+                <a:t>3</a:t>
+              </a:r>
+              <a:endParaRPr lang="zh-CN" sz="1100" i="1" dirty="0">
+                <a:effectLst/>
+                <a:latin typeface="Calibri" panose="020F0502020204030204" pitchFamily="34" charset="0"/>
+                <a:ea typeface="宋体" panose="02010600030101010101" pitchFamily="2" charset="-122"/>
+                <a:cs typeface="Times New Roman" panose="02020603050405020304" pitchFamily="18" charset="0"/>
+              </a:endParaRPr>
+            </a:p>
+          </p:txBody>
+        </p:sp>
+        <p:sp>
+          <p:nvSpPr>
+            <p:cNvPr id="49" name="Rectangle 863">
+              <a:extLst>
+                <a:ext uri="{FF2B5EF4-FFF2-40B4-BE49-F238E27FC236}">
+                  <a16:creationId xmlns:a16="http://schemas.microsoft.com/office/drawing/2014/main" id="{0240F9DB-1AA1-7C43-BBAF-DE87608E2D6A}"/>
+                </a:ext>
+              </a:extLst>
+            </p:cNvPr>
+            <p:cNvSpPr>
+              <a:spLocks noRot="1" noChangeAspect="1" noEditPoints="1" noChangeArrowheads="1" noChangeShapeType="1" noTextEdit="1"/>
+            </p:cNvSpPr>
+            <p:nvPr/>
+          </p:nvSpPr>
+          <p:spPr bwMode="auto">
+            <a:xfrm>
+              <a:off x="4273530" y="347904"/>
+              <a:ext cx="1447210" cy="1578016"/>
+            </a:xfrm>
+            <a:prstGeom prst="rect">
+              <a:avLst/>
+            </a:prstGeom>
+            <a:solidFill>
+              <a:srgbClr val="FFFFFF"/>
+            </a:solidFill>
+            <a:ln w="9525">
+              <a:solidFill>
+                <a:srgbClr val="000000"/>
+              </a:solidFill>
+              <a:miter lim="800000"/>
+              <a:headEnd/>
+              <a:tailEnd/>
+            </a:ln>
+          </p:spPr>
+          <p:txBody>
+            <a:bodyPr rot="0" vert="horz" wrap="square" lIns="91440" tIns="45720" rIns="91440" bIns="45720" anchor="t" anchorCtr="0" upright="1">
+              <a:noAutofit/>
+            </a:bodyPr>
+            <a:lstStyle/>
+            <a:p>
+              <a:pPr algn="ctr">
+                <a:lnSpc>
+                  <a:spcPct val="115000"/>
+                </a:lnSpc>
+                <a:spcAft>
+                  <a:spcPts val="1000"/>
+                </a:spcAft>
+              </a:pPr>
+              <a:r>
+                <a:rPr lang="zh-CN" sz="1200" dirty="0">
+                  <a:effectLst/>
+                  <a:latin typeface="Times New Roman" panose="02020603050405020304" pitchFamily="18" charset="0"/>
+                  <a:ea typeface="宋体" panose="02010600030101010101" pitchFamily="2" charset="-122"/>
+                  <a:cs typeface="Times New Roman" panose="02020603050405020304" pitchFamily="18" charset="0"/>
+                </a:rPr>
+                <a:t>阶段</a:t>
+              </a:r>
+              <a:r>
+                <a:rPr lang="en-US" sz="1200" dirty="0">
+                  <a:effectLst/>
+                  <a:latin typeface="Times New Roman" panose="02020603050405020304" pitchFamily="18" charset="0"/>
+                  <a:ea typeface="宋体" panose="02010600030101010101" pitchFamily="2" charset="-122"/>
+                  <a:cs typeface="Times New Roman" panose="02020603050405020304" pitchFamily="18" charset="0"/>
+                </a:rPr>
+                <a:t> A</a:t>
+              </a:r>
+              <a:endParaRPr lang="zh-CN" sz="1100" dirty="0">
+                <a:effectLst/>
+                <a:latin typeface="Calibri" panose="020F0502020204030204" pitchFamily="34" charset="0"/>
+                <a:ea typeface="宋体" panose="02010600030101010101" pitchFamily="2" charset="-122"/>
+                <a:cs typeface="Times New Roman" panose="02020603050405020304" pitchFamily="18" charset="0"/>
+              </a:endParaRPr>
+            </a:p>
+            <a:p>
+              <a:pPr algn="ctr">
+                <a:lnSpc>
+                  <a:spcPct val="115000"/>
+                </a:lnSpc>
+                <a:spcAft>
+                  <a:spcPts val="1000"/>
+                </a:spcAft>
+              </a:pPr>
+              <a:r>
+                <a:rPr lang="zh-CN" sz="1200" dirty="0">
+                  <a:effectLst/>
+                  <a:latin typeface="Times New Roman" panose="02020603050405020304" pitchFamily="18" charset="0"/>
+                  <a:ea typeface="宋体" panose="02010600030101010101" pitchFamily="2" charset="-122"/>
+                  <a:cs typeface="Times New Roman" panose="02020603050405020304" pitchFamily="18" charset="0"/>
+                </a:rPr>
+                <a:t>作为群体把关过程的协同过滤</a:t>
+              </a:r>
+              <a:endParaRPr lang="zh-CN" sz="1100" dirty="0">
+                <a:effectLst/>
+                <a:latin typeface="Calibri" panose="020F0502020204030204" pitchFamily="34" charset="0"/>
+                <a:ea typeface="宋体" panose="02010600030101010101" pitchFamily="2" charset="-122"/>
+                <a:cs typeface="Times New Roman" panose="02020603050405020304" pitchFamily="18" charset="0"/>
+              </a:endParaRPr>
+            </a:p>
+          </p:txBody>
+        </p:sp>
+        <p:sp>
+          <p:nvSpPr>
+            <p:cNvPr id="50" name="Rectangle 864">
+              <a:extLst>
+                <a:ext uri="{FF2B5EF4-FFF2-40B4-BE49-F238E27FC236}">
+                  <a16:creationId xmlns:a16="http://schemas.microsoft.com/office/drawing/2014/main" id="{2284D7E3-4E0C-C346-AF95-1E854988C86D}"/>
+                </a:ext>
+              </a:extLst>
+            </p:cNvPr>
+            <p:cNvSpPr>
+              <a:spLocks noRot="1" noChangeAspect="1" noEditPoints="1" noChangeArrowheads="1" noChangeShapeType="1" noTextEdit="1"/>
+            </p:cNvSpPr>
+            <p:nvPr/>
+          </p:nvSpPr>
+          <p:spPr bwMode="auto">
+            <a:xfrm>
+              <a:off x="4330730" y="2634627"/>
+              <a:ext cx="1434410" cy="1446515"/>
+            </a:xfrm>
+            <a:prstGeom prst="rect">
+              <a:avLst/>
+            </a:prstGeom>
+            <a:solidFill>
+              <a:srgbClr val="FFFFFF"/>
+            </a:solidFill>
+            <a:ln w="9525">
+              <a:solidFill>
+                <a:srgbClr val="000000"/>
+              </a:solidFill>
+              <a:miter lim="800000"/>
+              <a:headEnd/>
+              <a:tailEnd/>
+            </a:ln>
+          </p:spPr>
+          <p:txBody>
+            <a:bodyPr rot="0" vert="horz" wrap="square" lIns="91440" tIns="45720" rIns="91440" bIns="45720" anchor="t" anchorCtr="0" upright="1">
+              <a:noAutofit/>
+            </a:bodyPr>
+            <a:lstStyle/>
+            <a:p>
+              <a:pPr algn="ctr">
+                <a:lnSpc>
+                  <a:spcPct val="115000"/>
+                </a:lnSpc>
+                <a:spcAft>
+                  <a:spcPts val="1000"/>
+                </a:spcAft>
+              </a:pPr>
+              <a:r>
+                <a:rPr lang="zh-CN" sz="1200" dirty="0">
+                  <a:effectLst/>
+                  <a:latin typeface="Times New Roman" panose="02020603050405020304" pitchFamily="18" charset="0"/>
+                  <a:ea typeface="宋体" panose="02010600030101010101" pitchFamily="2" charset="-122"/>
+                  <a:cs typeface="Times New Roman" panose="02020603050405020304" pitchFamily="18" charset="0"/>
+                </a:rPr>
+                <a:t>阶段</a:t>
+              </a:r>
+              <a:r>
+                <a:rPr lang="en-US" sz="1200" dirty="0">
+                  <a:effectLst/>
+                  <a:latin typeface="Times New Roman" panose="02020603050405020304" pitchFamily="18" charset="0"/>
+                  <a:ea typeface="宋体" panose="02010600030101010101" pitchFamily="2" charset="-122"/>
+                  <a:cs typeface="Times New Roman" panose="02020603050405020304" pitchFamily="18" charset="0"/>
+                </a:rPr>
+                <a:t>B</a:t>
+              </a:r>
+              <a:endParaRPr lang="zh-CN" sz="1100" dirty="0">
+                <a:effectLst/>
+                <a:latin typeface="Calibri" panose="020F0502020204030204" pitchFamily="34" charset="0"/>
+                <a:ea typeface="宋体" panose="02010600030101010101" pitchFamily="2" charset="-122"/>
+                <a:cs typeface="Times New Roman" panose="02020603050405020304" pitchFamily="18" charset="0"/>
+              </a:endParaRPr>
+            </a:p>
+            <a:p>
+              <a:pPr algn="ctr">
+                <a:lnSpc>
+                  <a:spcPct val="115000"/>
+                </a:lnSpc>
+                <a:spcAft>
+                  <a:spcPts val="1000"/>
+                </a:spcAft>
+              </a:pPr>
+              <a:r>
+                <a:rPr lang="zh-CN" sz="1200" dirty="0">
+                  <a:effectLst/>
+                  <a:latin typeface="Times New Roman" panose="02020603050405020304" pitchFamily="18" charset="0"/>
+                  <a:ea typeface="宋体" panose="02010600030101010101" pitchFamily="2" charset="-122"/>
+                  <a:cs typeface="Times New Roman" panose="02020603050405020304" pitchFamily="18" charset="0"/>
+                </a:rPr>
+                <a:t>作为群体把关结果的系统推荐</a:t>
+              </a:r>
+              <a:endParaRPr lang="zh-CN" sz="1100" dirty="0">
+                <a:effectLst/>
+                <a:latin typeface="Calibri" panose="020F0502020204030204" pitchFamily="34" charset="0"/>
+                <a:ea typeface="宋体" panose="02010600030101010101" pitchFamily="2" charset="-122"/>
+                <a:cs typeface="Times New Roman" panose="02020603050405020304" pitchFamily="18" charset="0"/>
+              </a:endParaRPr>
+            </a:p>
+          </p:txBody>
+        </p:sp>
+        <p:sp>
+          <p:nvSpPr>
+            <p:cNvPr id="51" name="Rectangle 865">
+              <a:extLst>
+                <a:ext uri="{FF2B5EF4-FFF2-40B4-BE49-F238E27FC236}">
+                  <a16:creationId xmlns:a16="http://schemas.microsoft.com/office/drawing/2014/main" id="{F2EF43DD-FC0B-C24E-85A4-D56656968907}"/>
+                </a:ext>
+              </a:extLst>
+            </p:cNvPr>
+            <p:cNvSpPr>
+              <a:spLocks noRot="1" noChangeAspect="1" noEditPoints="1" noChangeArrowheads="1" noChangeShapeType="1" noTextEdit="1"/>
+            </p:cNvSpPr>
+            <p:nvPr/>
+          </p:nvSpPr>
+          <p:spPr bwMode="auto">
+            <a:xfrm>
+              <a:off x="3110821" y="892809"/>
+              <a:ext cx="968407" cy="672407"/>
+            </a:xfrm>
+            <a:prstGeom prst="rect">
+              <a:avLst/>
+            </a:prstGeom>
+            <a:solidFill>
+              <a:srgbClr val="FFFFFF"/>
+            </a:solidFill>
+            <a:ln>
+              <a:noFill/>
+            </a:ln>
+            <a:extLst>
+              <a:ext uri="{91240B29-F687-4F45-9708-019B960494DF}">
+                <a14:hiddenLine xmlns:a14="http://schemas.microsoft.com/office/drawing/2010/main" w="9525">
+                  <a:solidFill>
+                    <a:srgbClr val="000000"/>
+                  </a:solidFill>
+                  <a:miter lim="800000"/>
+                  <a:headEnd/>
+                  <a:tailEnd/>
+                </a14:hiddenLine>
+              </a:ext>
+            </a:extLst>
+          </p:spPr>
+          <p:txBody>
+            <a:bodyPr rot="0" vert="horz" wrap="square" lIns="91440" tIns="45720" rIns="91440" bIns="45720" anchor="t" anchorCtr="0" upright="1">
+              <a:noAutofit/>
+            </a:bodyPr>
+            <a:lstStyle/>
+            <a:p>
+              <a:pPr algn="ctr">
+                <a:lnSpc>
+                  <a:spcPts val="1200"/>
+                </a:lnSpc>
+                <a:spcAft>
+                  <a:spcPts val="1000"/>
+                </a:spcAft>
+              </a:pPr>
+              <a:r>
+                <a:rPr lang="zh-CN" sz="1050" dirty="0">
+                  <a:effectLst/>
+                  <a:latin typeface="Times New Roman" panose="02020603050405020304" pitchFamily="18" charset="0"/>
+                  <a:ea typeface="宋体" panose="02010600030101010101" pitchFamily="2" charset="-122"/>
+                  <a:cs typeface="Times New Roman" panose="02020603050405020304" pitchFamily="18" charset="0"/>
+                </a:rPr>
+                <a:t>排队时间</a:t>
+              </a:r>
+              <a:endParaRPr lang="zh-CN" sz="1100" dirty="0">
+                <a:effectLst/>
+                <a:latin typeface="Calibri" panose="020F0502020204030204" pitchFamily="34" charset="0"/>
+                <a:ea typeface="宋体" panose="02010600030101010101" pitchFamily="2" charset="-122"/>
+                <a:cs typeface="Times New Roman" panose="02020603050405020304" pitchFamily="18" charset="0"/>
+              </a:endParaRPr>
+            </a:p>
+            <a:p>
+              <a:pPr algn="ctr">
+                <a:lnSpc>
+                  <a:spcPts val="1200"/>
+                </a:lnSpc>
+                <a:spcAft>
+                  <a:spcPts val="1000"/>
+                </a:spcAft>
+              </a:pPr>
+              <a:r>
+                <a:rPr lang="en-US" sz="1050" i="1" dirty="0">
+                  <a:effectLst/>
+                  <a:latin typeface="Times New Roman" panose="02020603050405020304" pitchFamily="18" charset="0"/>
+                  <a:ea typeface="宋体" panose="02010600030101010101" pitchFamily="2" charset="-122"/>
+                  <a:cs typeface="Times New Roman" panose="02020603050405020304" pitchFamily="18" charset="0"/>
+                </a:rPr>
+                <a:t>Q</a:t>
+              </a:r>
+              <a:r>
+                <a:rPr lang="en-US" sz="1050" i="1" baseline="-25000" dirty="0">
+                  <a:effectLst/>
+                  <a:latin typeface="Times New Roman" panose="02020603050405020304" pitchFamily="18" charset="0"/>
+                  <a:ea typeface="宋体" panose="02010600030101010101" pitchFamily="2" charset="-122"/>
+                  <a:cs typeface="Times New Roman" panose="02020603050405020304" pitchFamily="18" charset="0"/>
+                </a:rPr>
+                <a:t>t</a:t>
+              </a:r>
+              <a:r>
+                <a:rPr lang="en-US" sz="1050" i="1" dirty="0">
+                  <a:effectLst/>
+                  <a:latin typeface="Times New Roman" panose="02020603050405020304" pitchFamily="18" charset="0"/>
+                  <a:ea typeface="宋体" panose="02010600030101010101" pitchFamily="2" charset="-122"/>
+                  <a:cs typeface="Times New Roman" panose="02020603050405020304" pitchFamily="18" charset="0"/>
+                </a:rPr>
+                <a:t> = P</a:t>
+              </a:r>
+              <a:r>
+                <a:rPr lang="en-US" altLang="zh-CN" sz="1050" i="1" baseline="-25000" dirty="0">
+                  <a:effectLst/>
+                  <a:latin typeface="Times New Roman" panose="02020603050405020304" pitchFamily="18" charset="0"/>
+                  <a:ea typeface="宋体" panose="02010600030101010101" pitchFamily="2" charset="-122"/>
+                  <a:cs typeface="Times New Roman" panose="02020603050405020304" pitchFamily="18" charset="0"/>
+                </a:rPr>
+                <a:t>t</a:t>
+              </a:r>
+              <a:r>
+                <a:rPr lang="en-US" sz="1050" i="1" dirty="0">
+                  <a:effectLst/>
+                  <a:latin typeface="Times New Roman" panose="02020603050405020304" pitchFamily="18" charset="0"/>
+                  <a:ea typeface="宋体" panose="02010600030101010101" pitchFamily="2" charset="-122"/>
+                  <a:cs typeface="Times New Roman" panose="02020603050405020304" pitchFamily="18" charset="0"/>
+                </a:rPr>
+                <a:t>-t</a:t>
+              </a:r>
+              <a:r>
+                <a:rPr lang="en-US" altLang="zh-CN" sz="1050" i="1" baseline="-25000" dirty="0">
+                  <a:effectLst/>
+                  <a:latin typeface="Times New Roman" panose="02020603050405020304" pitchFamily="18" charset="0"/>
+                  <a:ea typeface="宋体" panose="02010600030101010101" pitchFamily="2" charset="-122"/>
+                  <a:cs typeface="Times New Roman" panose="02020603050405020304" pitchFamily="18" charset="0"/>
+                </a:rPr>
+                <a:t>1</a:t>
+              </a:r>
+              <a:endParaRPr lang="zh-CN" sz="1100" i="1" dirty="0">
+                <a:effectLst/>
+                <a:latin typeface="Calibri" panose="020F0502020204030204" pitchFamily="34" charset="0"/>
+                <a:ea typeface="宋体" panose="02010600030101010101" pitchFamily="2" charset="-122"/>
+                <a:cs typeface="Times New Roman" panose="02020603050405020304" pitchFamily="18" charset="0"/>
+              </a:endParaRPr>
+            </a:p>
+            <a:p>
+              <a:pPr>
+                <a:lnSpc>
+                  <a:spcPct val="115000"/>
+                </a:lnSpc>
+                <a:spcAft>
+                  <a:spcPts val="1000"/>
+                </a:spcAft>
+              </a:pPr>
+              <a:r>
+                <a:rPr lang="en-US" sz="1100" dirty="0">
+                  <a:effectLst/>
+                  <a:latin typeface="Calibri" panose="020F0502020204030204" pitchFamily="34" charset="0"/>
+                  <a:ea typeface="宋体" panose="02010600030101010101" pitchFamily="2" charset="-122"/>
+                  <a:cs typeface="Times New Roman" panose="02020603050405020304" pitchFamily="18" charset="0"/>
+                </a:rPr>
+                <a:t> </a:t>
+              </a:r>
+              <a:endParaRPr lang="zh-CN" sz="1100" dirty="0">
+                <a:effectLst/>
+                <a:latin typeface="Calibri" panose="020F0502020204030204" pitchFamily="34" charset="0"/>
+                <a:ea typeface="宋体" panose="02010600030101010101" pitchFamily="2" charset="-122"/>
+                <a:cs typeface="Times New Roman" panose="02020603050405020304" pitchFamily="18" charset="0"/>
+              </a:endParaRPr>
+            </a:p>
+          </p:txBody>
+        </p:sp>
+        <p:sp>
+          <p:nvSpPr>
+            <p:cNvPr id="52" name="AutoShape 866">
+              <a:extLst>
+                <a:ext uri="{FF2B5EF4-FFF2-40B4-BE49-F238E27FC236}">
+                  <a16:creationId xmlns:a16="http://schemas.microsoft.com/office/drawing/2014/main" id="{DCC1B4A6-B8A8-3F43-B264-C618A36C7E69}"/>
+                </a:ext>
+              </a:extLst>
+            </p:cNvPr>
+            <p:cNvSpPr>
+              <a:spLocks noRot="1" noChangeAspect="1" noEditPoints="1" noChangeArrowheads="1" noChangeShapeType="1" noTextEdit="1"/>
+            </p:cNvSpPr>
+            <p:nvPr/>
+          </p:nvSpPr>
+          <p:spPr bwMode="auto">
+            <a:xfrm>
+              <a:off x="580304" y="5106651"/>
+              <a:ext cx="2849320" cy="349904"/>
+            </a:xfrm>
+            <a:prstGeom prst="roundRect">
+              <a:avLst>
+                <a:gd name="adj" fmla="val 16667"/>
+              </a:avLst>
+            </a:prstGeom>
+            <a:solidFill>
+              <a:srgbClr val="FFFFFF"/>
+            </a:solidFill>
+            <a:ln w="9525">
+              <a:solidFill>
+                <a:srgbClr val="000000"/>
+              </a:solidFill>
+              <a:round/>
+              <a:headEnd/>
+              <a:tailEnd/>
+            </a:ln>
+          </p:spPr>
+          <p:txBody>
+            <a:bodyPr rot="0" vert="horz" wrap="square" lIns="91440" tIns="45720" rIns="91440" bIns="45720" anchor="t" anchorCtr="0" upright="1">
+              <a:noAutofit/>
+            </a:bodyPr>
+            <a:lstStyle/>
+            <a:p>
+              <a:pPr algn="ctr">
+                <a:lnSpc>
+                  <a:spcPct val="115000"/>
+                </a:lnSpc>
+                <a:spcAft>
+                  <a:spcPts val="1000"/>
+                </a:spcAft>
+              </a:pPr>
+              <a:r>
+                <a:rPr lang="zh-CN" sz="1200">
+                  <a:effectLst/>
+                  <a:latin typeface="Times New Roman" panose="02020603050405020304" pitchFamily="18" charset="0"/>
+                  <a:ea typeface="宋体" panose="02010600030101010101" pitchFamily="2" charset="-122"/>
+                  <a:cs typeface="Times New Roman" panose="02020603050405020304" pitchFamily="18" charset="0"/>
+                </a:rPr>
+                <a:t>新闻扩散的规模</a:t>
+              </a:r>
+              <a:endParaRPr lang="zh-CN" sz="1100">
+                <a:effectLst/>
+                <a:latin typeface="Calibri" panose="020F0502020204030204" pitchFamily="34" charset="0"/>
+                <a:ea typeface="宋体" panose="02010600030101010101" pitchFamily="2" charset="-122"/>
+                <a:cs typeface="Times New Roman" panose="02020603050405020304" pitchFamily="18" charset="0"/>
+              </a:endParaRPr>
+            </a:p>
+          </p:txBody>
+        </p:sp>
+        <p:sp>
+          <p:nvSpPr>
+            <p:cNvPr id="53" name="Rectangle 867">
+              <a:extLst>
+                <a:ext uri="{FF2B5EF4-FFF2-40B4-BE49-F238E27FC236}">
+                  <a16:creationId xmlns:a16="http://schemas.microsoft.com/office/drawing/2014/main" id="{3822330A-517E-AC4C-8D1D-C56196F85866}"/>
+                </a:ext>
+              </a:extLst>
+            </p:cNvPr>
+            <p:cNvSpPr>
+              <a:spLocks noRot="1" noChangeAspect="1" noEditPoints="1" noChangeArrowheads="1" noChangeShapeType="1" noTextEdit="1"/>
+            </p:cNvSpPr>
+            <p:nvPr/>
+          </p:nvSpPr>
+          <p:spPr bwMode="auto">
+            <a:xfrm>
+              <a:off x="2846020" y="2251723"/>
+              <a:ext cx="1538611" cy="309203"/>
+            </a:xfrm>
+            <a:prstGeom prst="rect">
+              <a:avLst/>
+            </a:prstGeom>
+            <a:solidFill>
+              <a:schemeClr val="bg1">
+                <a:lumMod val="100000"/>
+                <a:lumOff val="0"/>
+              </a:schemeClr>
+            </a:solidFill>
+            <a:ln>
+              <a:noFill/>
+            </a:ln>
+            <a:extLst>
+              <a:ext uri="{91240B29-F687-4F45-9708-019B960494DF}">
+                <a14:hiddenLine xmlns:a14="http://schemas.microsoft.com/office/drawing/2010/main" w="9525">
+                  <a:solidFill>
+                    <a:srgbClr val="000000"/>
+                  </a:solidFill>
+                  <a:miter lim="800000"/>
+                  <a:headEnd/>
+                  <a:tailEnd/>
+                </a14:hiddenLine>
+              </a:ext>
+            </a:extLst>
+          </p:spPr>
+          <p:txBody>
+            <a:bodyPr rot="0" vert="horz" wrap="square" lIns="91440" tIns="45720" rIns="91440" bIns="45720" anchor="t" anchorCtr="0" upright="1">
+              <a:noAutofit/>
+            </a:bodyPr>
+            <a:lstStyle/>
+            <a:p>
+              <a:pPr algn="ctr">
+                <a:lnSpc>
+                  <a:spcPct val="115000"/>
+                </a:lnSpc>
+                <a:spcAft>
+                  <a:spcPts val="1000"/>
+                </a:spcAft>
+              </a:pPr>
+              <a:r>
+                <a:rPr lang="zh-CN" sz="1200" dirty="0">
+                  <a:effectLst/>
+                  <a:latin typeface="Times New Roman" panose="02020603050405020304" pitchFamily="18" charset="0"/>
+                  <a:ea typeface="宋体" panose="02010600030101010101" pitchFamily="2" charset="-122"/>
+                  <a:cs typeface="Times New Roman" panose="02020603050405020304" pitchFamily="18" charset="0"/>
+                </a:rPr>
+                <a:t>推广时间</a:t>
+              </a:r>
+              <a:r>
+                <a:rPr lang="en-US" sz="1200" dirty="0">
+                  <a:effectLst/>
+                  <a:latin typeface="Times New Roman" panose="02020603050405020304" pitchFamily="18" charset="0"/>
+                  <a:ea typeface="宋体" panose="02010600030101010101" pitchFamily="2" charset="-122"/>
+                  <a:cs typeface="Times New Roman" panose="02020603050405020304" pitchFamily="18" charset="0"/>
+                </a:rPr>
+                <a:t> (</a:t>
+              </a:r>
+              <a:r>
+                <a:rPr lang="en-US" sz="1200" i="1" dirty="0">
+                  <a:effectLst/>
+                  <a:latin typeface="Times New Roman" panose="02020603050405020304" pitchFamily="18" charset="0"/>
+                  <a:ea typeface="宋体" panose="02010600030101010101" pitchFamily="2" charset="-122"/>
+                  <a:cs typeface="Times New Roman" panose="02020603050405020304" pitchFamily="18" charset="0"/>
+                </a:rPr>
+                <a:t>P</a:t>
+              </a:r>
+              <a:r>
+                <a:rPr lang="en-US" altLang="zh-CN" sz="1200" i="1" baseline="-25000" dirty="0">
+                  <a:effectLst/>
+                  <a:latin typeface="Times New Roman" panose="02020603050405020304" pitchFamily="18" charset="0"/>
+                  <a:ea typeface="宋体" panose="02010600030101010101" pitchFamily="2" charset="-122"/>
+                  <a:cs typeface="Times New Roman" panose="02020603050405020304" pitchFamily="18" charset="0"/>
+                </a:rPr>
+                <a:t>t</a:t>
+              </a:r>
+              <a:r>
+                <a:rPr lang="en-US" sz="1200" dirty="0">
+                  <a:effectLst/>
+                  <a:latin typeface="Times New Roman" panose="02020603050405020304" pitchFamily="18" charset="0"/>
+                  <a:ea typeface="宋体" panose="02010600030101010101" pitchFamily="2" charset="-122"/>
+                  <a:cs typeface="Times New Roman" panose="02020603050405020304" pitchFamily="18" charset="0"/>
+                </a:rPr>
+                <a:t>)</a:t>
+              </a:r>
+              <a:endParaRPr lang="zh-CN" sz="1100" dirty="0">
+                <a:effectLst/>
+                <a:latin typeface="Calibri" panose="020F0502020204030204" pitchFamily="34" charset="0"/>
+                <a:ea typeface="宋体" panose="02010600030101010101" pitchFamily="2" charset="-122"/>
+                <a:cs typeface="Times New Roman" panose="02020603050405020304" pitchFamily="18" charset="0"/>
+              </a:endParaRPr>
+            </a:p>
+          </p:txBody>
+        </p:sp>
+        <p:cxnSp>
+          <p:nvCxnSpPr>
+            <p:cNvPr id="54" name="AutoShape 868">
+              <a:extLst>
+                <a:ext uri="{FF2B5EF4-FFF2-40B4-BE49-F238E27FC236}">
+                  <a16:creationId xmlns:a16="http://schemas.microsoft.com/office/drawing/2014/main" id="{A6C0E5EF-E2BC-1C4D-A45C-2D289EBF1762}"/>
+                </a:ext>
+              </a:extLst>
+            </p:cNvPr>
+            <p:cNvCxnSpPr>
+              <a:cxnSpLocks noRot="1" noChangeAspect="1" noEditPoints="1" noChangeArrowheads="1" noChangeShapeType="1"/>
+            </p:cNvCxnSpPr>
+            <p:nvPr/>
+          </p:nvCxnSpPr>
+          <p:spPr bwMode="auto">
+            <a:xfrm>
+              <a:off x="52700" y="2375524"/>
+              <a:ext cx="2793319" cy="31100"/>
+            </a:xfrm>
+            <a:prstGeom prst="straightConnector1">
+              <a:avLst/>
+            </a:prstGeom>
+            <a:noFill/>
+            <a:ln w="9525">
+              <a:solidFill>
+                <a:srgbClr val="000000"/>
+              </a:solidFill>
+              <a:prstDash val="lgDash"/>
+              <a:round/>
+              <a:headEnd/>
+              <a:tailEnd/>
+            </a:ln>
+            <a:extLst>
+              <a:ext uri="{909E8E84-426E-40DD-AFC4-6F175D3DCCD1}">
+                <a14:hiddenFill xmlns:a14="http://schemas.microsoft.com/office/drawing/2010/main">
+                  <a:noFill/>
+                </a14:hiddenFill>
+              </a:ext>
+            </a:extLst>
+          </p:spPr>
+        </p:cxnSp>
+        <p:cxnSp>
+          <p:nvCxnSpPr>
+            <p:cNvPr id="55" name="AutoShape 869">
+              <a:extLst>
+                <a:ext uri="{FF2B5EF4-FFF2-40B4-BE49-F238E27FC236}">
+                  <a16:creationId xmlns:a16="http://schemas.microsoft.com/office/drawing/2014/main" id="{ECE2E197-DD73-EB49-A336-5F046F50ABE2}"/>
+                </a:ext>
+              </a:extLst>
+            </p:cNvPr>
+            <p:cNvCxnSpPr>
+              <a:cxnSpLocks noRot="1" noChangeAspect="1" noEditPoints="1" noChangeArrowheads="1" noChangeShapeType="1"/>
+            </p:cNvCxnSpPr>
+            <p:nvPr/>
+          </p:nvCxnSpPr>
+          <p:spPr bwMode="auto">
+            <a:xfrm>
+              <a:off x="4384630" y="2406624"/>
+              <a:ext cx="1409110" cy="6400"/>
+            </a:xfrm>
+            <a:prstGeom prst="straightConnector1">
+              <a:avLst/>
+            </a:prstGeom>
+            <a:noFill/>
+            <a:ln w="9525">
+              <a:solidFill>
+                <a:srgbClr val="000000"/>
+              </a:solidFill>
+              <a:prstDash val="lgDash"/>
+              <a:round/>
+              <a:headEnd/>
+              <a:tailEnd/>
+            </a:ln>
+            <a:extLst>
+              <a:ext uri="{909E8E84-426E-40DD-AFC4-6F175D3DCCD1}">
+                <a14:hiddenFill xmlns:a14="http://schemas.microsoft.com/office/drawing/2010/main">
+                  <a:noFill/>
+                </a14:hiddenFill>
+              </a:ext>
+            </a:extLst>
+          </p:spPr>
+        </p:cxnSp>
+        <p:sp>
+          <p:nvSpPr>
+            <p:cNvPr id="56" name="AutoShape 870">
+              <a:extLst>
+                <a:ext uri="{FF2B5EF4-FFF2-40B4-BE49-F238E27FC236}">
+                  <a16:creationId xmlns:a16="http://schemas.microsoft.com/office/drawing/2014/main" id="{99818CB3-67FB-974F-B58C-67219400D408}"/>
+                </a:ext>
+              </a:extLst>
+            </p:cNvPr>
+            <p:cNvSpPr>
+              <a:spLocks noRot="1" noChangeAspect="1" noEditPoints="1" noChangeArrowheads="1" noChangeShapeType="1" noTextEdit="1"/>
+            </p:cNvSpPr>
+            <p:nvPr/>
+          </p:nvSpPr>
+          <p:spPr bwMode="auto">
+            <a:xfrm>
+              <a:off x="1697912" y="2274523"/>
+              <a:ext cx="285802" cy="452105"/>
+            </a:xfrm>
+            <a:prstGeom prst="downArrow">
+              <a:avLst>
+                <a:gd name="adj1" fmla="val 50000"/>
+                <a:gd name="adj2" fmla="val 39547"/>
+              </a:avLst>
+            </a:prstGeom>
+            <a:solidFill>
+              <a:srgbClr val="FFFFFF"/>
+            </a:solidFill>
+            <a:ln w="9525">
+              <a:solidFill>
+                <a:srgbClr val="000000"/>
+              </a:solidFill>
+              <a:miter lim="800000"/>
+              <a:headEnd/>
+              <a:tailEnd/>
+            </a:ln>
+          </p:spPr>
+          <p:txBody>
+            <a:bodyPr rot="0" vert="eaVert" wrap="square" lIns="91440" tIns="45720" rIns="91440" bIns="45720" anchor="t" anchorCtr="0" upright="1">
+              <a:noAutofit/>
+            </a:bodyPr>
+            <a:lstStyle/>
+            <a:p>
+              <a:endParaRPr lang="zh-CN" altLang="en-US"/>
+            </a:p>
+          </p:txBody>
+        </p:sp>
+        <p:sp>
+          <p:nvSpPr>
+            <p:cNvPr id="57" name="Rectangle 871">
+              <a:extLst>
+                <a:ext uri="{FF2B5EF4-FFF2-40B4-BE49-F238E27FC236}">
+                  <a16:creationId xmlns:a16="http://schemas.microsoft.com/office/drawing/2014/main" id="{C6AA41EE-20A6-C846-8BE2-4784D02002EA}"/>
+                </a:ext>
+              </a:extLst>
+            </p:cNvPr>
+            <p:cNvSpPr>
+              <a:spLocks noRot="1" noChangeAspect="1" noEditPoints="1" noChangeArrowheads="1" noChangeShapeType="1" noTextEdit="1"/>
+            </p:cNvSpPr>
+            <p:nvPr/>
+          </p:nvSpPr>
+          <p:spPr bwMode="auto">
+            <a:xfrm>
+              <a:off x="378403" y="325703"/>
+              <a:ext cx="454003" cy="314303"/>
+            </a:xfrm>
+            <a:prstGeom prst="rect">
+              <a:avLst/>
+            </a:prstGeom>
+            <a:solidFill>
+              <a:srgbClr val="FFFFFF"/>
+            </a:solidFill>
+            <a:ln>
+              <a:noFill/>
+            </a:ln>
+            <a:extLst>
+              <a:ext uri="{91240B29-F687-4F45-9708-019B960494DF}">
+                <a14:hiddenLine xmlns:a14="http://schemas.microsoft.com/office/drawing/2010/main" w="9525">
+                  <a:solidFill>
+                    <a:srgbClr val="000000"/>
+                  </a:solidFill>
+                  <a:miter lim="800000"/>
+                  <a:headEnd/>
+                  <a:tailEnd/>
+                </a14:hiddenLine>
+              </a:ext>
+            </a:extLst>
+          </p:spPr>
+          <p:txBody>
+            <a:bodyPr rot="0" vert="horz" wrap="square" lIns="91440" tIns="45720" rIns="91440" bIns="45720" anchor="t" anchorCtr="0" upright="1">
+              <a:noAutofit/>
+            </a:bodyPr>
+            <a:lstStyle/>
+            <a:p>
+              <a:pPr>
+                <a:lnSpc>
+                  <a:spcPct val="115000"/>
+                </a:lnSpc>
+                <a:spcAft>
+                  <a:spcPts val="1000"/>
+                </a:spcAft>
+              </a:pPr>
+              <a:r>
+                <a:rPr lang="en-US" sz="1200">
+                  <a:effectLst/>
+                  <a:latin typeface="Times New Roman" panose="02020603050405020304" pitchFamily="18" charset="0"/>
+                  <a:ea typeface="宋体" panose="02010600030101010101" pitchFamily="2" charset="-122"/>
+                  <a:cs typeface="Times New Roman" panose="02020603050405020304" pitchFamily="18" charset="0"/>
+                </a:rPr>
+                <a:t>IV</a:t>
+              </a:r>
+              <a:endParaRPr lang="zh-CN" sz="1100">
+                <a:effectLst/>
+                <a:latin typeface="Calibri" panose="020F0502020204030204" pitchFamily="34" charset="0"/>
+                <a:ea typeface="宋体" panose="02010600030101010101" pitchFamily="2" charset="-122"/>
+                <a:cs typeface="Times New Roman" panose="02020603050405020304" pitchFamily="18" charset="0"/>
+              </a:endParaRPr>
+            </a:p>
+          </p:txBody>
+        </p:sp>
+        <p:sp>
+          <p:nvSpPr>
+            <p:cNvPr id="58" name="Rectangle 872">
+              <a:extLst>
+                <a:ext uri="{FF2B5EF4-FFF2-40B4-BE49-F238E27FC236}">
+                  <a16:creationId xmlns:a16="http://schemas.microsoft.com/office/drawing/2014/main" id="{88CED1F7-2583-8745-A5E9-2E4AEF635A31}"/>
+                </a:ext>
+              </a:extLst>
+            </p:cNvPr>
+            <p:cNvSpPr>
+              <a:spLocks noRot="1" noChangeAspect="1" noEditPoints="1" noChangeArrowheads="1" noChangeShapeType="1" noTextEdit="1"/>
+            </p:cNvSpPr>
+            <p:nvPr/>
+          </p:nvSpPr>
+          <p:spPr bwMode="auto">
+            <a:xfrm>
+              <a:off x="0" y="3456335"/>
+              <a:ext cx="454003" cy="314303"/>
+            </a:xfrm>
+            <a:prstGeom prst="rect">
+              <a:avLst/>
+            </a:prstGeom>
+            <a:solidFill>
+              <a:srgbClr val="FFFFFF"/>
+            </a:solidFill>
+            <a:ln>
+              <a:noFill/>
+            </a:ln>
+            <a:extLst>
+              <a:ext uri="{91240B29-F687-4F45-9708-019B960494DF}">
+                <a14:hiddenLine xmlns:a14="http://schemas.microsoft.com/office/drawing/2010/main" w="9525">
+                  <a:solidFill>
+                    <a:srgbClr val="000000"/>
+                  </a:solidFill>
+                  <a:miter lim="800000"/>
+                  <a:headEnd/>
+                  <a:tailEnd/>
+                </a14:hiddenLine>
+              </a:ext>
+            </a:extLst>
+          </p:spPr>
+          <p:txBody>
+            <a:bodyPr rot="0" vert="horz" wrap="square" lIns="91440" tIns="45720" rIns="91440" bIns="45720" anchor="t" anchorCtr="0" upright="1">
+              <a:noAutofit/>
+            </a:bodyPr>
+            <a:lstStyle/>
+            <a:p>
+              <a:pPr>
+                <a:lnSpc>
+                  <a:spcPct val="115000"/>
+                </a:lnSpc>
+                <a:spcAft>
+                  <a:spcPts val="1000"/>
+                </a:spcAft>
+              </a:pPr>
+              <a:r>
+                <a:rPr lang="en-US" sz="1200">
+                  <a:effectLst/>
+                  <a:latin typeface="Times New Roman" panose="02020603050405020304" pitchFamily="18" charset="0"/>
+                  <a:ea typeface="宋体" panose="02010600030101010101" pitchFamily="2" charset="-122"/>
+                  <a:cs typeface="Times New Roman" panose="02020603050405020304" pitchFamily="18" charset="0"/>
+                </a:rPr>
+                <a:t>VII</a:t>
+              </a:r>
+              <a:endParaRPr lang="zh-CN" sz="1100">
+                <a:effectLst/>
+                <a:latin typeface="Calibri" panose="020F0502020204030204" pitchFamily="34" charset="0"/>
+                <a:ea typeface="宋体" panose="02010600030101010101" pitchFamily="2" charset="-122"/>
+                <a:cs typeface="Times New Roman" panose="02020603050405020304" pitchFamily="18" charset="0"/>
+              </a:endParaRPr>
+            </a:p>
+          </p:txBody>
+        </p:sp>
+        <p:sp>
+          <p:nvSpPr>
+            <p:cNvPr id="59" name="Rectangle 873">
+              <a:extLst>
+                <a:ext uri="{FF2B5EF4-FFF2-40B4-BE49-F238E27FC236}">
+                  <a16:creationId xmlns:a16="http://schemas.microsoft.com/office/drawing/2014/main" id="{7A0769BB-844B-2640-82B7-B45D9AC88CB2}"/>
+                </a:ext>
+              </a:extLst>
+            </p:cNvPr>
+            <p:cNvSpPr>
+              <a:spLocks noRot="1" noChangeAspect="1" noEditPoints="1" noChangeArrowheads="1" noChangeShapeType="1" noTextEdit="1"/>
+            </p:cNvSpPr>
+            <p:nvPr/>
+          </p:nvSpPr>
+          <p:spPr bwMode="auto">
+            <a:xfrm>
+              <a:off x="378403" y="3456335"/>
+              <a:ext cx="563904" cy="314303"/>
+            </a:xfrm>
+            <a:prstGeom prst="rect">
+              <a:avLst/>
+            </a:prstGeom>
+            <a:solidFill>
+              <a:srgbClr val="FFFFFF"/>
+            </a:solidFill>
+            <a:ln>
+              <a:noFill/>
+            </a:ln>
+            <a:extLst>
+              <a:ext uri="{91240B29-F687-4F45-9708-019B960494DF}">
+                <a14:hiddenLine xmlns:a14="http://schemas.microsoft.com/office/drawing/2010/main" w="9525">
+                  <a:solidFill>
+                    <a:srgbClr val="000000"/>
+                  </a:solidFill>
+                  <a:miter lim="800000"/>
+                  <a:headEnd/>
+                  <a:tailEnd/>
+                </a14:hiddenLine>
+              </a:ext>
+            </a:extLst>
+          </p:spPr>
+          <p:txBody>
+            <a:bodyPr rot="0" vert="horz" wrap="square" lIns="91440" tIns="45720" rIns="91440" bIns="45720" anchor="t" anchorCtr="0" upright="1">
+              <a:noAutofit/>
+            </a:bodyPr>
+            <a:lstStyle/>
+            <a:p>
+              <a:pPr>
+                <a:lnSpc>
+                  <a:spcPct val="115000"/>
+                </a:lnSpc>
+                <a:spcAft>
+                  <a:spcPts val="1000"/>
+                </a:spcAft>
+              </a:pPr>
+              <a:r>
+                <a:rPr lang="en-US" sz="1200">
+                  <a:effectLst/>
+                  <a:latin typeface="Times New Roman" panose="02020603050405020304" pitchFamily="18" charset="0"/>
+                  <a:ea typeface="宋体" panose="02010600030101010101" pitchFamily="2" charset="-122"/>
+                  <a:cs typeface="Times New Roman" panose="02020603050405020304" pitchFamily="18" charset="0"/>
+                </a:rPr>
+                <a:t>VIII</a:t>
+              </a:r>
+              <a:endParaRPr lang="zh-CN" sz="1100">
+                <a:effectLst/>
+                <a:latin typeface="Calibri" panose="020F0502020204030204" pitchFamily="34" charset="0"/>
+                <a:ea typeface="宋体" panose="02010600030101010101" pitchFamily="2" charset="-122"/>
+                <a:cs typeface="Times New Roman" panose="02020603050405020304" pitchFamily="18" charset="0"/>
+              </a:endParaRPr>
+            </a:p>
+          </p:txBody>
+        </p:sp>
+      </p:grpSp>
     </p:spTree>
     <p:extLst>
       <p:ext uri="{BB962C8B-B14F-4D97-AF65-F5344CB8AC3E}">
